--- a/user-studies/plots/base-template-bubble-chart.pptx
+++ b/user-studies/plots/base-template-bubble-chart.pptx
@@ -7,13 +7,14 @@
   <p:sldIdLst>
     <p:sldId id="258" r:id="rId2"/>
     <p:sldId id="264" r:id="rId3"/>
-    <p:sldId id="265" r:id="rId4"/>
-    <p:sldId id="266" r:id="rId5"/>
-    <p:sldId id="267" r:id="rId6"/>
-    <p:sldId id="268" r:id="rId7"/>
-    <p:sldId id="269" r:id="rId8"/>
-    <p:sldId id="270" r:id="rId9"/>
-    <p:sldId id="271" r:id="rId10"/>
+    <p:sldId id="272" r:id="rId4"/>
+    <p:sldId id="265" r:id="rId5"/>
+    <p:sldId id="266" r:id="rId6"/>
+    <p:sldId id="267" r:id="rId7"/>
+    <p:sldId id="268" r:id="rId8"/>
+    <p:sldId id="269" r:id="rId9"/>
+    <p:sldId id="270" r:id="rId10"/>
+    <p:sldId id="271" r:id="rId11"/>
   </p:sldIdLst>
   <p:sldSz cx="6840538" cy="6840538"/>
   <p:notesSz cx="6858000" cy="9144000"/>
@@ -251,7 +252,7 @@
           <a:p>
             <a:fld id="{AFC13C47-027E-BC40-85E6-9477C003E13A}" type="datetimeFigureOut">
               <a:rPr lang="en-US" smtClean="0"/>
-              <a:t>7/8/24</a:t>
+              <a:t>7/13/24</a:t>
             </a:fld>
             <a:endParaRPr lang="en-US"/>
           </a:p>
@@ -421,7 +422,7 @@
           <a:p>
             <a:fld id="{AFC13C47-027E-BC40-85E6-9477C003E13A}" type="datetimeFigureOut">
               <a:rPr lang="en-US" smtClean="0"/>
-              <a:t>7/8/24</a:t>
+              <a:t>7/13/24</a:t>
             </a:fld>
             <a:endParaRPr lang="en-US"/>
           </a:p>
@@ -601,7 +602,7 @@
           <a:p>
             <a:fld id="{AFC13C47-027E-BC40-85E6-9477C003E13A}" type="datetimeFigureOut">
               <a:rPr lang="en-US" smtClean="0"/>
-              <a:t>7/8/24</a:t>
+              <a:t>7/13/24</a:t>
             </a:fld>
             <a:endParaRPr lang="en-US"/>
           </a:p>
@@ -771,7 +772,7 @@
           <a:p>
             <a:fld id="{AFC13C47-027E-BC40-85E6-9477C003E13A}" type="datetimeFigureOut">
               <a:rPr lang="en-US" smtClean="0"/>
-              <a:t>7/8/24</a:t>
+              <a:t>7/13/24</a:t>
             </a:fld>
             <a:endParaRPr lang="en-US"/>
           </a:p>
@@ -1017,7 +1018,7 @@
           <a:p>
             <a:fld id="{AFC13C47-027E-BC40-85E6-9477C003E13A}" type="datetimeFigureOut">
               <a:rPr lang="en-US" smtClean="0"/>
-              <a:t>7/8/24</a:t>
+              <a:t>7/13/24</a:t>
             </a:fld>
             <a:endParaRPr lang="en-US"/>
           </a:p>
@@ -1249,7 +1250,7 @@
           <a:p>
             <a:fld id="{AFC13C47-027E-BC40-85E6-9477C003E13A}" type="datetimeFigureOut">
               <a:rPr lang="en-US" smtClean="0"/>
-              <a:t>7/8/24</a:t>
+              <a:t>7/13/24</a:t>
             </a:fld>
             <a:endParaRPr lang="en-US"/>
           </a:p>
@@ -1616,7 +1617,7 @@
           <a:p>
             <a:fld id="{AFC13C47-027E-BC40-85E6-9477C003E13A}" type="datetimeFigureOut">
               <a:rPr lang="en-US" smtClean="0"/>
-              <a:t>7/8/24</a:t>
+              <a:t>7/13/24</a:t>
             </a:fld>
             <a:endParaRPr lang="en-US"/>
           </a:p>
@@ -1734,7 +1735,7 @@
           <a:p>
             <a:fld id="{AFC13C47-027E-BC40-85E6-9477C003E13A}" type="datetimeFigureOut">
               <a:rPr lang="en-US" smtClean="0"/>
-              <a:t>7/8/24</a:t>
+              <a:t>7/13/24</a:t>
             </a:fld>
             <a:endParaRPr lang="en-US"/>
           </a:p>
@@ -1829,7 +1830,7 @@
           <a:p>
             <a:fld id="{AFC13C47-027E-BC40-85E6-9477C003E13A}" type="datetimeFigureOut">
               <a:rPr lang="en-US" smtClean="0"/>
-              <a:t>7/8/24</a:t>
+              <a:t>7/13/24</a:t>
             </a:fld>
             <a:endParaRPr lang="en-US"/>
           </a:p>
@@ -2106,7 +2107,7 @@
           <a:p>
             <a:fld id="{AFC13C47-027E-BC40-85E6-9477C003E13A}" type="datetimeFigureOut">
               <a:rPr lang="en-US" smtClean="0"/>
-              <a:t>7/8/24</a:t>
+              <a:t>7/13/24</a:t>
             </a:fld>
             <a:endParaRPr lang="en-US"/>
           </a:p>
@@ -2363,7 +2364,7 @@
           <a:p>
             <a:fld id="{AFC13C47-027E-BC40-85E6-9477C003E13A}" type="datetimeFigureOut">
               <a:rPr lang="en-US" smtClean="0"/>
-              <a:t>7/8/24</a:t>
+              <a:t>7/13/24</a:t>
             </a:fld>
             <a:endParaRPr lang="en-US"/>
           </a:p>
@@ -2576,7 +2577,7 @@
           <a:p>
             <a:fld id="{AFC13C47-027E-BC40-85E6-9477C003E13A}" type="datetimeFigureOut">
               <a:rPr lang="en-US" smtClean="0"/>
-              <a:t>7/8/24</a:t>
+              <a:t>7/13/24</a:t>
             </a:fld>
             <a:endParaRPr lang="en-US"/>
           </a:p>
@@ -3132,6 +3133,536 @@
 </p:sld>
 </file>
 
+<file path=ppt/slides/slide10.xml><?xml version="1.0" encoding="utf-8"?>
+<p:sld xmlns:a="http://schemas.openxmlformats.org/drawingml/2006/main" xmlns:r="http://schemas.openxmlformats.org/officeDocument/2006/relationships" xmlns:p="http://schemas.openxmlformats.org/presentationml/2006/main">
+  <p:cSld>
+    <p:spTree>
+      <p:nvGrpSpPr>
+        <p:cNvPr id="1" name=""/>
+        <p:cNvGrpSpPr/>
+        <p:nvPr/>
+      </p:nvGrpSpPr>
+      <p:grpSpPr>
+        <a:xfrm>
+          <a:off x="0" y="0"/>
+          <a:ext cx="0" cy="0"/>
+          <a:chOff x="0" y="0"/>
+          <a:chExt cx="0" cy="0"/>
+        </a:xfrm>
+      </p:grpSpPr>
+      <p:pic>
+        <p:nvPicPr>
+          <p:cNvPr id="3" name="Picture 2">
+            <a:extLst>
+              <a:ext uri="{FF2B5EF4-FFF2-40B4-BE49-F238E27FC236}">
+                <a16:creationId xmlns:a16="http://schemas.microsoft.com/office/drawing/2014/main" id="{E2221CCF-11F4-74FE-2C7C-68BD50B5106C}"/>
+              </a:ext>
+            </a:extLst>
+          </p:cNvPr>
+          <p:cNvPicPr>
+            <a:picLocks noChangeAspect="1"/>
+          </p:cNvPicPr>
+          <p:nvPr/>
+        </p:nvPicPr>
+        <p:blipFill>
+          <a:blip r:embed="rId2"/>
+          <a:stretch>
+            <a:fillRect/>
+          </a:stretch>
+        </p:blipFill>
+        <p:spPr>
+          <a:xfrm>
+            <a:off x="0" y="13222"/>
+            <a:ext cx="6840538" cy="6814093"/>
+          </a:xfrm>
+          <a:prstGeom prst="rect">
+            <a:avLst/>
+          </a:prstGeom>
+        </p:spPr>
+      </p:pic>
+      <p:sp>
+        <p:nvSpPr>
+          <p:cNvPr id="2" name="Rectangle 1">
+            <a:extLst>
+              <a:ext uri="{FF2B5EF4-FFF2-40B4-BE49-F238E27FC236}">
+                <a16:creationId xmlns:a16="http://schemas.microsoft.com/office/drawing/2014/main" id="{3F45BD36-E559-2F51-83B4-9725C5FB03BF}"/>
+              </a:ext>
+            </a:extLst>
+          </p:cNvPr>
+          <p:cNvSpPr/>
+          <p:nvPr/>
+        </p:nvSpPr>
+        <p:spPr>
+          <a:xfrm>
+            <a:off x="6192455" y="162045"/>
+            <a:ext cx="532435" cy="555585"/>
+          </a:xfrm>
+          <a:prstGeom prst="rect">
+            <a:avLst/>
+          </a:prstGeom>
+          <a:solidFill>
+            <a:schemeClr val="bg1"/>
+          </a:solidFill>
+          <a:ln>
+            <a:solidFill>
+              <a:schemeClr val="bg1"/>
+            </a:solidFill>
+          </a:ln>
+        </p:spPr>
+        <p:style>
+          <a:lnRef idx="2">
+            <a:schemeClr val="accent1">
+              <a:shade val="15000"/>
+            </a:schemeClr>
+          </a:lnRef>
+          <a:fillRef idx="1">
+            <a:schemeClr val="accent1"/>
+          </a:fillRef>
+          <a:effectRef idx="0">
+            <a:schemeClr val="accent1"/>
+          </a:effectRef>
+          <a:fontRef idx="minor">
+            <a:schemeClr val="lt1"/>
+          </a:fontRef>
+        </p:style>
+        <p:txBody>
+          <a:bodyPr rtlCol="0" anchor="ctr"/>
+          <a:lstStyle/>
+          <a:p>
+            <a:pPr algn="ctr"/>
+            <a:endParaRPr lang="en-US"/>
+          </a:p>
+        </p:txBody>
+      </p:sp>
+      <p:sp>
+        <p:nvSpPr>
+          <p:cNvPr id="4" name="TextBox 3">
+            <a:extLst>
+              <a:ext uri="{FF2B5EF4-FFF2-40B4-BE49-F238E27FC236}">
+                <a16:creationId xmlns:a16="http://schemas.microsoft.com/office/drawing/2014/main" id="{2B8493D8-2802-6384-512E-E340D4EC3423}"/>
+              </a:ext>
+            </a:extLst>
+          </p:cNvPr>
+          <p:cNvSpPr txBox="1"/>
+          <p:nvPr/>
+        </p:nvSpPr>
+        <p:spPr>
+          <a:xfrm>
+            <a:off x="1274277" y="4488953"/>
+            <a:ext cx="532435" cy="369332"/>
+          </a:xfrm>
+          <a:prstGeom prst="rect">
+            <a:avLst/>
+          </a:prstGeom>
+          <a:solidFill>
+            <a:schemeClr val="bg1"/>
+          </a:solidFill>
+          <a:ln>
+            <a:solidFill>
+              <a:schemeClr val="bg1"/>
+            </a:solidFill>
+          </a:ln>
+        </p:spPr>
+        <p:txBody>
+          <a:bodyPr wrap="square" rtlCol="0">
+            <a:spAutoFit/>
+          </a:bodyPr>
+          <a:lstStyle/>
+          <a:p>
+            <a:pPr algn="ctr"/>
+            <a:r>
+              <a:rPr lang="en-US" b="1" dirty="0">
+                <a:latin typeface="Arial" panose="020B0604020202020204" pitchFamily="34" charset="0"/>
+                <a:cs typeface="Arial" panose="020B0604020202020204" pitchFamily="34" charset="0"/>
+              </a:rPr>
+              <a:t>A</a:t>
+            </a:r>
+          </a:p>
+        </p:txBody>
+      </p:sp>
+      <p:sp>
+        <p:nvSpPr>
+          <p:cNvPr id="5" name="TextBox 4">
+            <a:extLst>
+              <a:ext uri="{FF2B5EF4-FFF2-40B4-BE49-F238E27FC236}">
+                <a16:creationId xmlns:a16="http://schemas.microsoft.com/office/drawing/2014/main" id="{B5975DA1-C6CA-8A3E-2949-2FFD54FDBE99}"/>
+              </a:ext>
+            </a:extLst>
+          </p:cNvPr>
+          <p:cNvSpPr txBox="1"/>
+          <p:nvPr/>
+        </p:nvSpPr>
+        <p:spPr>
+          <a:xfrm>
+            <a:off x="3000834" y="1886578"/>
+            <a:ext cx="532435" cy="369332"/>
+          </a:xfrm>
+          <a:prstGeom prst="rect">
+            <a:avLst/>
+          </a:prstGeom>
+          <a:solidFill>
+            <a:schemeClr val="bg1"/>
+          </a:solidFill>
+          <a:ln>
+            <a:solidFill>
+              <a:schemeClr val="bg1"/>
+            </a:solidFill>
+          </a:ln>
+        </p:spPr>
+        <p:txBody>
+          <a:bodyPr wrap="square" rtlCol="0">
+            <a:spAutoFit/>
+          </a:bodyPr>
+          <a:lstStyle/>
+          <a:p>
+            <a:pPr algn="ctr"/>
+            <a:r>
+              <a:rPr lang="en-US" b="1" dirty="0">
+                <a:latin typeface="Arial" panose="020B0604020202020204" pitchFamily="34" charset="0"/>
+                <a:cs typeface="Arial" panose="020B0604020202020204" pitchFamily="34" charset="0"/>
+              </a:rPr>
+              <a:t>B</a:t>
+            </a:r>
+          </a:p>
+        </p:txBody>
+      </p:sp>
+      <p:sp>
+        <p:nvSpPr>
+          <p:cNvPr id="6" name="Rectangle 5">
+            <a:extLst>
+              <a:ext uri="{FF2B5EF4-FFF2-40B4-BE49-F238E27FC236}">
+                <a16:creationId xmlns:a16="http://schemas.microsoft.com/office/drawing/2014/main" id="{A604EC5D-F408-37E5-BA21-553AA0211CB7}"/>
+              </a:ext>
+            </a:extLst>
+          </p:cNvPr>
+          <p:cNvSpPr/>
+          <p:nvPr/>
+        </p:nvSpPr>
+        <p:spPr>
+          <a:xfrm>
+            <a:off x="1448861" y="2244335"/>
+            <a:ext cx="692552" cy="555585"/>
+          </a:xfrm>
+          <a:prstGeom prst="rect">
+            <a:avLst/>
+          </a:prstGeom>
+          <a:solidFill>
+            <a:schemeClr val="bg1"/>
+          </a:solidFill>
+          <a:ln>
+            <a:solidFill>
+              <a:schemeClr val="bg1"/>
+            </a:solidFill>
+          </a:ln>
+        </p:spPr>
+        <p:style>
+          <a:lnRef idx="2">
+            <a:schemeClr val="accent1">
+              <a:shade val="15000"/>
+            </a:schemeClr>
+          </a:lnRef>
+          <a:fillRef idx="1">
+            <a:schemeClr val="accent1"/>
+          </a:fillRef>
+          <a:effectRef idx="0">
+            <a:schemeClr val="accent1"/>
+          </a:effectRef>
+          <a:fontRef idx="minor">
+            <a:schemeClr val="lt1"/>
+          </a:fontRef>
+        </p:style>
+        <p:txBody>
+          <a:bodyPr rtlCol="0" anchor="ctr"/>
+          <a:lstStyle/>
+          <a:p>
+            <a:pPr algn="ctr"/>
+            <a:endParaRPr lang="en-US"/>
+          </a:p>
+        </p:txBody>
+      </p:sp>
+      <p:sp>
+        <p:nvSpPr>
+          <p:cNvPr id="7" name="Rectangle 6">
+            <a:extLst>
+              <a:ext uri="{FF2B5EF4-FFF2-40B4-BE49-F238E27FC236}">
+                <a16:creationId xmlns:a16="http://schemas.microsoft.com/office/drawing/2014/main" id="{2720A0F4-0F2F-C21B-96AF-AD561482516E}"/>
+              </a:ext>
+            </a:extLst>
+          </p:cNvPr>
+          <p:cNvSpPr/>
+          <p:nvPr/>
+        </p:nvSpPr>
+        <p:spPr>
+          <a:xfrm>
+            <a:off x="2308282" y="3142475"/>
+            <a:ext cx="692552" cy="555585"/>
+          </a:xfrm>
+          <a:prstGeom prst="rect">
+            <a:avLst/>
+          </a:prstGeom>
+          <a:solidFill>
+            <a:schemeClr val="bg1"/>
+          </a:solidFill>
+          <a:ln>
+            <a:solidFill>
+              <a:schemeClr val="bg1"/>
+            </a:solidFill>
+          </a:ln>
+        </p:spPr>
+        <p:style>
+          <a:lnRef idx="2">
+            <a:schemeClr val="accent1">
+              <a:shade val="15000"/>
+            </a:schemeClr>
+          </a:lnRef>
+          <a:fillRef idx="1">
+            <a:schemeClr val="accent1"/>
+          </a:fillRef>
+          <a:effectRef idx="0">
+            <a:schemeClr val="accent1"/>
+          </a:effectRef>
+          <a:fontRef idx="minor">
+            <a:schemeClr val="lt1"/>
+          </a:fontRef>
+        </p:style>
+        <p:txBody>
+          <a:bodyPr rtlCol="0" anchor="ctr"/>
+          <a:lstStyle/>
+          <a:p>
+            <a:pPr algn="ctr"/>
+            <a:endParaRPr lang="en-US"/>
+          </a:p>
+        </p:txBody>
+      </p:sp>
+      <p:sp>
+        <p:nvSpPr>
+          <p:cNvPr id="8" name="Rectangle 7">
+            <a:extLst>
+              <a:ext uri="{FF2B5EF4-FFF2-40B4-BE49-F238E27FC236}">
+                <a16:creationId xmlns:a16="http://schemas.microsoft.com/office/drawing/2014/main" id="{FDCAA549-2B1C-FC24-0BEB-B1F5B324EFCF}"/>
+              </a:ext>
+            </a:extLst>
+          </p:cNvPr>
+          <p:cNvSpPr/>
+          <p:nvPr/>
+        </p:nvSpPr>
+        <p:spPr>
+          <a:xfrm>
+            <a:off x="4840627" y="1920148"/>
+            <a:ext cx="692552" cy="555585"/>
+          </a:xfrm>
+          <a:prstGeom prst="rect">
+            <a:avLst/>
+          </a:prstGeom>
+          <a:solidFill>
+            <a:schemeClr val="bg1"/>
+          </a:solidFill>
+          <a:ln>
+            <a:solidFill>
+              <a:schemeClr val="bg1"/>
+            </a:solidFill>
+          </a:ln>
+        </p:spPr>
+        <p:style>
+          <a:lnRef idx="2">
+            <a:schemeClr val="accent1">
+              <a:shade val="15000"/>
+            </a:schemeClr>
+          </a:lnRef>
+          <a:fillRef idx="1">
+            <a:schemeClr val="accent1"/>
+          </a:fillRef>
+          <a:effectRef idx="0">
+            <a:schemeClr val="accent1"/>
+          </a:effectRef>
+          <a:fontRef idx="minor">
+            <a:schemeClr val="lt1"/>
+          </a:fontRef>
+        </p:style>
+        <p:txBody>
+          <a:bodyPr rtlCol="0" anchor="ctr"/>
+          <a:lstStyle/>
+          <a:p>
+            <a:pPr algn="ctr"/>
+            <a:endParaRPr lang="en-US"/>
+          </a:p>
+        </p:txBody>
+      </p:sp>
+      <p:sp>
+        <p:nvSpPr>
+          <p:cNvPr id="9" name="Rectangle 8">
+            <a:extLst>
+              <a:ext uri="{FF2B5EF4-FFF2-40B4-BE49-F238E27FC236}">
+                <a16:creationId xmlns:a16="http://schemas.microsoft.com/office/drawing/2014/main" id="{9635E304-31F8-6151-6A59-8AB5B1AFC6A7}"/>
+              </a:ext>
+            </a:extLst>
+          </p:cNvPr>
+          <p:cNvSpPr/>
+          <p:nvPr/>
+        </p:nvSpPr>
+        <p:spPr>
+          <a:xfrm>
+            <a:off x="3625867" y="3142475"/>
+            <a:ext cx="692552" cy="555585"/>
+          </a:xfrm>
+          <a:prstGeom prst="rect">
+            <a:avLst/>
+          </a:prstGeom>
+          <a:solidFill>
+            <a:schemeClr val="bg1"/>
+          </a:solidFill>
+          <a:ln>
+            <a:solidFill>
+              <a:schemeClr val="bg1"/>
+            </a:solidFill>
+          </a:ln>
+        </p:spPr>
+        <p:style>
+          <a:lnRef idx="2">
+            <a:schemeClr val="accent1">
+              <a:shade val="15000"/>
+            </a:schemeClr>
+          </a:lnRef>
+          <a:fillRef idx="1">
+            <a:schemeClr val="accent1"/>
+          </a:fillRef>
+          <a:effectRef idx="0">
+            <a:schemeClr val="accent1"/>
+          </a:effectRef>
+          <a:fontRef idx="minor">
+            <a:schemeClr val="lt1"/>
+          </a:fontRef>
+        </p:style>
+        <p:txBody>
+          <a:bodyPr rtlCol="0" anchor="ctr"/>
+          <a:lstStyle/>
+          <a:p>
+            <a:pPr algn="ctr"/>
+            <a:endParaRPr lang="en-US"/>
+          </a:p>
+        </p:txBody>
+      </p:sp>
+      <p:sp>
+        <p:nvSpPr>
+          <p:cNvPr id="10" name="Rectangle 9">
+            <a:extLst>
+              <a:ext uri="{FF2B5EF4-FFF2-40B4-BE49-F238E27FC236}">
+                <a16:creationId xmlns:a16="http://schemas.microsoft.com/office/drawing/2014/main" id="{C89C0843-5347-EBFD-D8E9-B282E8E31904}"/>
+              </a:ext>
+            </a:extLst>
+          </p:cNvPr>
+          <p:cNvSpPr/>
+          <p:nvPr/>
+        </p:nvSpPr>
+        <p:spPr>
+          <a:xfrm>
+            <a:off x="2920775" y="4465803"/>
+            <a:ext cx="692552" cy="555585"/>
+          </a:xfrm>
+          <a:prstGeom prst="rect">
+            <a:avLst/>
+          </a:prstGeom>
+          <a:solidFill>
+            <a:schemeClr val="bg1"/>
+          </a:solidFill>
+          <a:ln>
+            <a:solidFill>
+              <a:schemeClr val="bg1"/>
+            </a:solidFill>
+          </a:ln>
+        </p:spPr>
+        <p:style>
+          <a:lnRef idx="2">
+            <a:schemeClr val="accent1">
+              <a:shade val="15000"/>
+            </a:schemeClr>
+          </a:lnRef>
+          <a:fillRef idx="1">
+            <a:schemeClr val="accent1"/>
+          </a:fillRef>
+          <a:effectRef idx="0">
+            <a:schemeClr val="accent1"/>
+          </a:effectRef>
+          <a:fontRef idx="minor">
+            <a:schemeClr val="lt1"/>
+          </a:fontRef>
+        </p:style>
+        <p:txBody>
+          <a:bodyPr rtlCol="0" anchor="ctr"/>
+          <a:lstStyle/>
+          <a:p>
+            <a:pPr algn="ctr"/>
+            <a:endParaRPr lang="en-US"/>
+          </a:p>
+        </p:txBody>
+      </p:sp>
+      <p:sp>
+        <p:nvSpPr>
+          <p:cNvPr id="11" name="Rectangle 10">
+            <a:extLst>
+              <a:ext uri="{FF2B5EF4-FFF2-40B4-BE49-F238E27FC236}">
+                <a16:creationId xmlns:a16="http://schemas.microsoft.com/office/drawing/2014/main" id="{260F1909-E3D6-39A8-D95F-4F96D08F1A7C}"/>
+              </a:ext>
+            </a:extLst>
+          </p:cNvPr>
+          <p:cNvSpPr/>
+          <p:nvPr/>
+        </p:nvSpPr>
+        <p:spPr>
+          <a:xfrm>
+            <a:off x="4688902" y="4465802"/>
+            <a:ext cx="692552" cy="555585"/>
+          </a:xfrm>
+          <a:prstGeom prst="rect">
+            <a:avLst/>
+          </a:prstGeom>
+          <a:solidFill>
+            <a:schemeClr val="bg1"/>
+          </a:solidFill>
+          <a:ln>
+            <a:solidFill>
+              <a:schemeClr val="bg1"/>
+            </a:solidFill>
+          </a:ln>
+        </p:spPr>
+        <p:style>
+          <a:lnRef idx="2">
+            <a:schemeClr val="accent1">
+              <a:shade val="15000"/>
+            </a:schemeClr>
+          </a:lnRef>
+          <a:fillRef idx="1">
+            <a:schemeClr val="accent1"/>
+          </a:fillRef>
+          <a:effectRef idx="0">
+            <a:schemeClr val="accent1"/>
+          </a:effectRef>
+          <a:fontRef idx="minor">
+            <a:schemeClr val="lt1"/>
+          </a:fontRef>
+        </p:style>
+        <p:txBody>
+          <a:bodyPr rtlCol="0" anchor="ctr"/>
+          <a:lstStyle/>
+          <a:p>
+            <a:pPr algn="ctr"/>
+            <a:endParaRPr lang="en-US"/>
+          </a:p>
+        </p:txBody>
+      </p:sp>
+    </p:spTree>
+    <p:extLst>
+      <p:ext uri="{BB962C8B-B14F-4D97-AF65-F5344CB8AC3E}">
+        <p14:creationId xmlns:p14="http://schemas.microsoft.com/office/powerpoint/2010/main" val="3656750695"/>
+      </p:ext>
+    </p:extLst>
+  </p:cSld>
+  <p:clrMapOvr>
+    <a:masterClrMapping/>
+  </p:clrMapOvr>
+</p:sld>
+</file>
+
 <file path=ppt/slides/slide2.xml><?xml version="1.0" encoding="utf-8"?>
 <p:sld xmlns:a="http://schemas.openxmlformats.org/drawingml/2006/main" xmlns:r="http://schemas.openxmlformats.org/officeDocument/2006/relationships" xmlns:p="http://schemas.openxmlformats.org/presentationml/2006/main">
   <p:cSld>
@@ -3664,6 +4195,114 @@
         <p:spPr>
           <a:xfrm>
             <a:off x="3215935" y="5095317"/>
+            <a:ext cx="692552" cy="555585"/>
+          </a:xfrm>
+          <a:prstGeom prst="rect">
+            <a:avLst/>
+          </a:prstGeom>
+          <a:solidFill>
+            <a:schemeClr val="bg1"/>
+          </a:solidFill>
+          <a:ln>
+            <a:solidFill>
+              <a:schemeClr val="bg1"/>
+            </a:solidFill>
+          </a:ln>
+        </p:spPr>
+        <p:style>
+          <a:lnRef idx="2">
+            <a:schemeClr val="accent1">
+              <a:shade val="15000"/>
+            </a:schemeClr>
+          </a:lnRef>
+          <a:fillRef idx="1">
+            <a:schemeClr val="accent1"/>
+          </a:fillRef>
+          <a:effectRef idx="0">
+            <a:schemeClr val="accent1"/>
+          </a:effectRef>
+          <a:fontRef idx="minor">
+            <a:schemeClr val="lt1"/>
+          </a:fontRef>
+        </p:style>
+        <p:txBody>
+          <a:bodyPr rtlCol="0" anchor="ctr"/>
+          <a:lstStyle/>
+          <a:p>
+            <a:pPr algn="ctr"/>
+            <a:endParaRPr lang="en-US"/>
+          </a:p>
+        </p:txBody>
+      </p:sp>
+      <p:sp>
+        <p:nvSpPr>
+          <p:cNvPr id="2" name="Rectangle 1">
+            <a:extLst>
+              <a:ext uri="{FF2B5EF4-FFF2-40B4-BE49-F238E27FC236}">
+                <a16:creationId xmlns:a16="http://schemas.microsoft.com/office/drawing/2014/main" id="{8D1E8305-EBB7-C011-EAFD-49A53735EB07}"/>
+              </a:ext>
+            </a:extLst>
+          </p:cNvPr>
+          <p:cNvSpPr/>
+          <p:nvPr/>
+        </p:nvSpPr>
+        <p:spPr>
+          <a:xfrm>
+            <a:off x="1537211" y="5095317"/>
+            <a:ext cx="692552" cy="555585"/>
+          </a:xfrm>
+          <a:prstGeom prst="rect">
+            <a:avLst/>
+          </a:prstGeom>
+          <a:solidFill>
+            <a:schemeClr val="bg1"/>
+          </a:solidFill>
+          <a:ln>
+            <a:solidFill>
+              <a:schemeClr val="bg1"/>
+            </a:solidFill>
+          </a:ln>
+        </p:spPr>
+        <p:style>
+          <a:lnRef idx="2">
+            <a:schemeClr val="accent1">
+              <a:shade val="15000"/>
+            </a:schemeClr>
+          </a:lnRef>
+          <a:fillRef idx="1">
+            <a:schemeClr val="accent1"/>
+          </a:fillRef>
+          <a:effectRef idx="0">
+            <a:schemeClr val="accent1"/>
+          </a:effectRef>
+          <a:fontRef idx="minor">
+            <a:schemeClr val="lt1"/>
+          </a:fontRef>
+        </p:style>
+        <p:txBody>
+          <a:bodyPr rtlCol="0" anchor="ctr"/>
+          <a:lstStyle/>
+          <a:p>
+            <a:pPr algn="ctr"/>
+            <a:endParaRPr lang="en-US"/>
+          </a:p>
+        </p:txBody>
+      </p:sp>
+      <p:sp>
+        <p:nvSpPr>
+          <p:cNvPr id="3" name="Rectangle 2">
+            <a:extLst>
+              <a:ext uri="{FF2B5EF4-FFF2-40B4-BE49-F238E27FC236}">
+                <a16:creationId xmlns:a16="http://schemas.microsoft.com/office/drawing/2014/main" id="{D6185E11-56FA-BE4C-7224-D3F725496101}"/>
+              </a:ext>
+            </a:extLst>
+          </p:cNvPr>
+          <p:cNvSpPr/>
+          <p:nvPr/>
+        </p:nvSpPr>
+        <p:spPr>
+          <a:xfrm>
+            <a:off x="4913453" y="4817524"/>
             <a:ext cx="692552" cy="555585"/>
           </a:xfrm>
           <a:prstGeom prst="rect">
@@ -3912,7 +4551,7 @@
                 <a:latin typeface="Arial" panose="020B0604020202020204" pitchFamily="34" charset="0"/>
                 <a:cs typeface="Arial" panose="020B0604020202020204" pitchFamily="34" charset="0"/>
               </a:rPr>
-              <a:t>B</a:t>
+              <a:t>A</a:t>
             </a:r>
           </a:p>
         </p:txBody>
@@ -3931,7 +4570,7 @@
         </p:nvSpPr>
         <p:spPr>
           <a:xfrm>
-            <a:off x="1590171" y="1422187"/>
+            <a:off x="1617270" y="5193504"/>
             <a:ext cx="532435" cy="369332"/>
           </a:xfrm>
           <a:prstGeom prst="rect">
@@ -3958,17 +4597,17 @@
                 <a:latin typeface="Arial" panose="020B0604020202020204" pitchFamily="34" charset="0"/>
                 <a:cs typeface="Arial" panose="020B0604020202020204" pitchFamily="34" charset="0"/>
               </a:rPr>
-              <a:t>A</a:t>
+              <a:t>B</a:t>
             </a:r>
           </a:p>
         </p:txBody>
       </p:sp>
       <p:sp>
         <p:nvSpPr>
-          <p:cNvPr id="16" name="Rectangle 15">
-            <a:extLst>
-              <a:ext uri="{FF2B5EF4-FFF2-40B4-BE49-F238E27FC236}">
-                <a16:creationId xmlns:a16="http://schemas.microsoft.com/office/drawing/2014/main" id="{C82F2ABF-1C7F-76F8-5091-4CBC4FB250D9}"/>
+          <p:cNvPr id="15" name="Rectangle 14">
+            <a:extLst>
+              <a:ext uri="{FF2B5EF4-FFF2-40B4-BE49-F238E27FC236}">
+                <a16:creationId xmlns:a16="http://schemas.microsoft.com/office/drawing/2014/main" id="{A3DC7A27-D904-EE85-C1E6-6D5A7D8CDC31}"/>
               </a:ext>
             </a:extLst>
           </p:cNvPr>
@@ -3977,7 +4616,7 @@
         </p:nvSpPr>
         <p:spPr>
           <a:xfrm>
-            <a:off x="3277081" y="1479002"/>
+            <a:off x="1492169" y="1286719"/>
             <a:ext cx="692552" cy="555585"/>
           </a:xfrm>
           <a:prstGeom prst="rect">
@@ -4019,10 +4658,10 @@
       </p:sp>
       <p:sp>
         <p:nvSpPr>
-          <p:cNvPr id="17" name="Rectangle 16">
-            <a:extLst>
-              <a:ext uri="{FF2B5EF4-FFF2-40B4-BE49-F238E27FC236}">
-                <a16:creationId xmlns:a16="http://schemas.microsoft.com/office/drawing/2014/main" id="{9041CCD5-F253-C0C4-E533-F0243BBF008F}"/>
+          <p:cNvPr id="16" name="Rectangle 15">
+            <a:extLst>
+              <a:ext uri="{FF2B5EF4-FFF2-40B4-BE49-F238E27FC236}">
+                <a16:creationId xmlns:a16="http://schemas.microsoft.com/office/drawing/2014/main" id="{C82F2ABF-1C7F-76F8-5091-4CBC4FB250D9}"/>
               </a:ext>
             </a:extLst>
           </p:cNvPr>
@@ -4031,7 +4670,7 @@
         </p:nvSpPr>
         <p:spPr>
           <a:xfrm>
-            <a:off x="2046690" y="3312288"/>
+            <a:off x="3277081" y="1479002"/>
             <a:ext cx="692552" cy="555585"/>
           </a:xfrm>
           <a:prstGeom prst="rect">
@@ -4073,10 +4712,10 @@
       </p:sp>
       <p:sp>
         <p:nvSpPr>
-          <p:cNvPr id="18" name="Rectangle 17">
-            <a:extLst>
-              <a:ext uri="{FF2B5EF4-FFF2-40B4-BE49-F238E27FC236}">
-                <a16:creationId xmlns:a16="http://schemas.microsoft.com/office/drawing/2014/main" id="{DD1C547C-D461-3210-7200-D1F6699BF0DF}"/>
+          <p:cNvPr id="17" name="Rectangle 16">
+            <a:extLst>
+              <a:ext uri="{FF2B5EF4-FFF2-40B4-BE49-F238E27FC236}">
+                <a16:creationId xmlns:a16="http://schemas.microsoft.com/office/drawing/2014/main" id="{9041CCD5-F253-C0C4-E533-F0243BBF008F}"/>
               </a:ext>
             </a:extLst>
           </p:cNvPr>
@@ -4085,7 +4724,7 @@
         </p:nvSpPr>
         <p:spPr>
           <a:xfrm>
-            <a:off x="4101298" y="3312287"/>
+            <a:off x="2046690" y="3312288"/>
             <a:ext cx="692552" cy="555585"/>
           </a:xfrm>
           <a:prstGeom prst="rect">
@@ -4127,10 +4766,10 @@
       </p:sp>
       <p:sp>
         <p:nvSpPr>
-          <p:cNvPr id="19" name="Rectangle 18">
-            <a:extLst>
-              <a:ext uri="{FF2B5EF4-FFF2-40B4-BE49-F238E27FC236}">
-                <a16:creationId xmlns:a16="http://schemas.microsoft.com/office/drawing/2014/main" id="{3F9F2FE3-7912-0A41-E6B2-5668690D5307}"/>
+          <p:cNvPr id="18" name="Rectangle 17">
+            <a:extLst>
+              <a:ext uri="{FF2B5EF4-FFF2-40B4-BE49-F238E27FC236}">
+                <a16:creationId xmlns:a16="http://schemas.microsoft.com/office/drawing/2014/main" id="{DD1C547C-D461-3210-7200-D1F6699BF0DF}"/>
               </a:ext>
             </a:extLst>
           </p:cNvPr>
@@ -4139,7 +4778,7 @@
         </p:nvSpPr>
         <p:spPr>
           <a:xfrm>
-            <a:off x="4993511" y="1641521"/>
+            <a:off x="4101298" y="3312287"/>
             <a:ext cx="692552" cy="555585"/>
           </a:xfrm>
           <a:prstGeom prst="rect">
@@ -4181,10 +4820,10 @@
       </p:sp>
       <p:sp>
         <p:nvSpPr>
-          <p:cNvPr id="20" name="Rectangle 19">
-            <a:extLst>
-              <a:ext uri="{FF2B5EF4-FFF2-40B4-BE49-F238E27FC236}">
-                <a16:creationId xmlns:a16="http://schemas.microsoft.com/office/drawing/2014/main" id="{05E66DA8-EDA2-6558-AF84-5CCA6B82E517}"/>
+          <p:cNvPr id="19" name="Rectangle 18">
+            <a:extLst>
+              <a:ext uri="{FF2B5EF4-FFF2-40B4-BE49-F238E27FC236}">
+                <a16:creationId xmlns:a16="http://schemas.microsoft.com/office/drawing/2014/main" id="{3F9F2FE3-7912-0A41-E6B2-5668690D5307}"/>
               </a:ext>
             </a:extLst>
           </p:cNvPr>
@@ -4193,7 +4832,7 @@
         </p:nvSpPr>
         <p:spPr>
           <a:xfrm>
-            <a:off x="3215935" y="5095317"/>
+            <a:off x="4993511" y="1641521"/>
             <a:ext cx="692552" cy="555585"/>
           </a:xfrm>
           <a:prstGeom prst="rect">
@@ -4235,10 +4874,10 @@
       </p:sp>
       <p:sp>
         <p:nvSpPr>
-          <p:cNvPr id="2" name="Rectangle 1">
-            <a:extLst>
-              <a:ext uri="{FF2B5EF4-FFF2-40B4-BE49-F238E27FC236}">
-                <a16:creationId xmlns:a16="http://schemas.microsoft.com/office/drawing/2014/main" id="{F073B44C-EAC3-2962-D875-481AD2DEE7BE}"/>
+          <p:cNvPr id="20" name="Rectangle 19">
+            <a:extLst>
+              <a:ext uri="{FF2B5EF4-FFF2-40B4-BE49-F238E27FC236}">
+                <a16:creationId xmlns:a16="http://schemas.microsoft.com/office/drawing/2014/main" id="{05E66DA8-EDA2-6558-AF84-5CCA6B82E517}"/>
               </a:ext>
             </a:extLst>
           </p:cNvPr>
@@ -4247,7 +4886,7 @@
         </p:nvSpPr>
         <p:spPr>
           <a:xfrm>
-            <a:off x="1497957" y="5108819"/>
+            <a:off x="3215935" y="5095317"/>
             <a:ext cx="692552" cy="555585"/>
           </a:xfrm>
           <a:prstGeom prst="rect">
@@ -4290,7 +4929,7 @@
     </p:spTree>
     <p:extLst>
       <p:ext uri="{BB962C8B-B14F-4D97-AF65-F5344CB8AC3E}">
-        <p14:creationId xmlns:p14="http://schemas.microsoft.com/office/powerpoint/2010/main" val="4242927514"/>
+        <p14:creationId xmlns:p14="http://schemas.microsoft.com/office/powerpoint/2010/main" val="3143842545"/>
       </p:ext>
     </p:extLst>
   </p:cSld>
@@ -4515,7 +5154,7 @@
         </p:nvSpPr>
         <p:spPr>
           <a:xfrm>
-            <a:off x="5050419" y="1699980"/>
+            <a:off x="1590171" y="1422187"/>
             <a:ext cx="532435" cy="369332"/>
           </a:xfrm>
           <a:prstGeom prst="rect">
@@ -4711,10 +5350,10 @@
       </p:sp>
       <p:sp>
         <p:nvSpPr>
-          <p:cNvPr id="20" name="Rectangle 19">
-            <a:extLst>
-              <a:ext uri="{FF2B5EF4-FFF2-40B4-BE49-F238E27FC236}">
-                <a16:creationId xmlns:a16="http://schemas.microsoft.com/office/drawing/2014/main" id="{05E66DA8-EDA2-6558-AF84-5CCA6B82E517}"/>
+          <p:cNvPr id="19" name="Rectangle 18">
+            <a:extLst>
+              <a:ext uri="{FF2B5EF4-FFF2-40B4-BE49-F238E27FC236}">
+                <a16:creationId xmlns:a16="http://schemas.microsoft.com/office/drawing/2014/main" id="{3F9F2FE3-7912-0A41-E6B2-5668690D5307}"/>
               </a:ext>
             </a:extLst>
           </p:cNvPr>
@@ -4723,7 +5362,7 @@
         </p:nvSpPr>
         <p:spPr>
           <a:xfrm>
-            <a:off x="3215935" y="5095317"/>
+            <a:off x="4993511" y="1641521"/>
             <a:ext cx="692552" cy="555585"/>
           </a:xfrm>
           <a:prstGeom prst="rect">
@@ -4765,10 +5404,10 @@
       </p:sp>
       <p:sp>
         <p:nvSpPr>
-          <p:cNvPr id="2" name="Rectangle 1">
-            <a:extLst>
-              <a:ext uri="{FF2B5EF4-FFF2-40B4-BE49-F238E27FC236}">
-                <a16:creationId xmlns:a16="http://schemas.microsoft.com/office/drawing/2014/main" id="{F073B44C-EAC3-2962-D875-481AD2DEE7BE}"/>
+          <p:cNvPr id="20" name="Rectangle 19">
+            <a:extLst>
+              <a:ext uri="{FF2B5EF4-FFF2-40B4-BE49-F238E27FC236}">
+                <a16:creationId xmlns:a16="http://schemas.microsoft.com/office/drawing/2014/main" id="{05E66DA8-EDA2-6558-AF84-5CCA6B82E517}"/>
               </a:ext>
             </a:extLst>
           </p:cNvPr>
@@ -4777,7 +5416,7 @@
         </p:nvSpPr>
         <p:spPr>
           <a:xfrm>
-            <a:off x="1497957" y="5108819"/>
+            <a:off x="3215935" y="5095317"/>
             <a:ext cx="692552" cy="555585"/>
           </a:xfrm>
           <a:prstGeom prst="rect">
@@ -4819,10 +5458,10 @@
       </p:sp>
       <p:sp>
         <p:nvSpPr>
-          <p:cNvPr id="3" name="Rectangle 2">
-            <a:extLst>
-              <a:ext uri="{FF2B5EF4-FFF2-40B4-BE49-F238E27FC236}">
-                <a16:creationId xmlns:a16="http://schemas.microsoft.com/office/drawing/2014/main" id="{636EAEC0-102B-5131-FB04-122B6B903092}"/>
+          <p:cNvPr id="2" name="Rectangle 1">
+            <a:extLst>
+              <a:ext uri="{FF2B5EF4-FFF2-40B4-BE49-F238E27FC236}">
+                <a16:creationId xmlns:a16="http://schemas.microsoft.com/office/drawing/2014/main" id="{F073B44C-EAC3-2962-D875-481AD2DEE7BE}"/>
               </a:ext>
             </a:extLst>
           </p:cNvPr>
@@ -4831,7 +5470,7 @@
         </p:nvSpPr>
         <p:spPr>
           <a:xfrm>
-            <a:off x="1471046" y="1329061"/>
+            <a:off x="1497957" y="5108819"/>
             <a:ext cx="692552" cy="555585"/>
           </a:xfrm>
           <a:prstGeom prst="rect">
@@ -4874,7 +5513,7 @@
     </p:spTree>
     <p:extLst>
       <p:ext uri="{BB962C8B-B14F-4D97-AF65-F5344CB8AC3E}">
-        <p14:creationId xmlns:p14="http://schemas.microsoft.com/office/powerpoint/2010/main" val="1610246825"/>
+        <p14:creationId xmlns:p14="http://schemas.microsoft.com/office/powerpoint/2010/main" val="4242927514"/>
       </p:ext>
     </p:extLst>
   </p:cSld>
@@ -5053,7 +5692,7 @@
         </p:nvSpPr>
         <p:spPr>
           <a:xfrm>
-            <a:off x="3385544" y="5154236"/>
+            <a:off x="5073570" y="4945377"/>
             <a:ext cx="532435" cy="369332"/>
           </a:xfrm>
           <a:prstGeom prst="rect">
@@ -5099,7 +5738,7 @@
         </p:nvSpPr>
         <p:spPr>
           <a:xfrm>
-            <a:off x="3366402" y="1606853"/>
+            <a:off x="5050419" y="1699980"/>
             <a:ext cx="532435" cy="369332"/>
           </a:xfrm>
           <a:prstGeom prst="rect">
@@ -5145,7 +5784,7 @@
         </p:nvSpPr>
         <p:spPr>
           <a:xfrm>
-            <a:off x="4913453" y="1617368"/>
+            <a:off x="3277081" y="1479002"/>
             <a:ext cx="692552" cy="555585"/>
           </a:xfrm>
           <a:prstGeom prst="rect">
@@ -5307,7 +5946,7 @@
         </p:nvSpPr>
         <p:spPr>
           <a:xfrm>
-            <a:off x="4996305" y="4895211"/>
+            <a:off x="3215935" y="5095317"/>
             <a:ext cx="692552" cy="555585"/>
           </a:xfrm>
           <a:prstGeom prst="rect">
@@ -5458,7 +6097,7 @@
     </p:spTree>
     <p:extLst>
       <p:ext uri="{BB962C8B-B14F-4D97-AF65-F5344CB8AC3E}">
-        <p14:creationId xmlns:p14="http://schemas.microsoft.com/office/powerpoint/2010/main" val="1940866294"/>
+        <p14:creationId xmlns:p14="http://schemas.microsoft.com/office/powerpoint/2010/main" val="1610246825"/>
       </p:ext>
     </p:extLst>
   </p:cSld>
@@ -5485,12 +6124,66 @@
           <a:chExt cx="0" cy="0"/>
         </a:xfrm>
       </p:grpSpPr>
+      <p:sp>
+        <p:nvSpPr>
+          <p:cNvPr id="6" name="Rectangle 5">
+            <a:extLst>
+              <a:ext uri="{FF2B5EF4-FFF2-40B4-BE49-F238E27FC236}">
+                <a16:creationId xmlns:a16="http://schemas.microsoft.com/office/drawing/2014/main" id="{A616E7CF-9EF0-EFE8-6192-5DA0436CB259}"/>
+              </a:ext>
+            </a:extLst>
+          </p:cNvPr>
+          <p:cNvSpPr/>
+          <p:nvPr/>
+        </p:nvSpPr>
+        <p:spPr>
+          <a:xfrm>
+            <a:off x="6192456" y="92597"/>
+            <a:ext cx="532435" cy="555585"/>
+          </a:xfrm>
+          <a:prstGeom prst="rect">
+            <a:avLst/>
+          </a:prstGeom>
+          <a:solidFill>
+            <a:schemeClr val="bg1"/>
+          </a:solidFill>
+          <a:ln>
+            <a:solidFill>
+              <a:schemeClr val="bg1"/>
+            </a:solidFill>
+          </a:ln>
+        </p:spPr>
+        <p:style>
+          <a:lnRef idx="2">
+            <a:schemeClr val="accent1">
+              <a:shade val="15000"/>
+            </a:schemeClr>
+          </a:lnRef>
+          <a:fillRef idx="1">
+            <a:schemeClr val="accent1"/>
+          </a:fillRef>
+          <a:effectRef idx="0">
+            <a:schemeClr val="accent1"/>
+          </a:effectRef>
+          <a:fontRef idx="minor">
+            <a:schemeClr val="lt1"/>
+          </a:fontRef>
+        </p:style>
+        <p:txBody>
+          <a:bodyPr rtlCol="0" anchor="ctr"/>
+          <a:lstStyle/>
+          <a:p>
+            <a:pPr algn="ctr"/>
+            <a:endParaRPr lang="en-US"/>
+          </a:p>
+        </p:txBody>
+      </p:sp>
       <p:pic>
         <p:nvPicPr>
-          <p:cNvPr id="7" name="Picture 6" descr="A screenshot of a cell phone&#10;&#10;Description automatically generated">
-            <a:extLst>
-              <a:ext uri="{FF2B5EF4-FFF2-40B4-BE49-F238E27FC236}">
-                <a16:creationId xmlns:a16="http://schemas.microsoft.com/office/drawing/2014/main" id="{FB27DEE6-4ACC-E643-8DA4-E0FB2FCAD4EF}"/>
+          <p:cNvPr id="11" name="Picture 10" descr="A screenshot of a cell phone&#10;&#10;Description automatically generated">
+            <a:extLst>
+              <a:ext uri="{FF2B5EF4-FFF2-40B4-BE49-F238E27FC236}">
+                <a16:creationId xmlns:a16="http://schemas.microsoft.com/office/drawing/2014/main" id="{03B43C12-C6BE-96E3-94C5-D65EB26E7A06}"/>
               </a:ext>
             </a:extLst>
           </p:cNvPr>
@@ -5507,18 +6200,488 @@
         </p:blipFill>
         <p:spPr>
           <a:xfrm>
-            <a:off x="17630" y="0"/>
-            <a:ext cx="6805277" cy="6840538"/>
+            <a:off x="0" y="4419"/>
+            <a:ext cx="6840538" cy="6831700"/>
           </a:xfrm>
           <a:prstGeom prst="rect">
             <a:avLst/>
           </a:prstGeom>
         </p:spPr>
       </p:pic>
+      <p:sp>
+        <p:nvSpPr>
+          <p:cNvPr id="12" name="Rectangle 11">
+            <a:extLst>
+              <a:ext uri="{FF2B5EF4-FFF2-40B4-BE49-F238E27FC236}">
+                <a16:creationId xmlns:a16="http://schemas.microsoft.com/office/drawing/2014/main" id="{4A6CD171-8498-1E11-9409-47CEB755290F}"/>
+              </a:ext>
+            </a:extLst>
+          </p:cNvPr>
+          <p:cNvSpPr/>
+          <p:nvPr/>
+        </p:nvSpPr>
+        <p:spPr>
+          <a:xfrm>
+            <a:off x="6192455" y="162045"/>
+            <a:ext cx="532435" cy="555585"/>
+          </a:xfrm>
+          <a:prstGeom prst="rect">
+            <a:avLst/>
+          </a:prstGeom>
+          <a:solidFill>
+            <a:schemeClr val="bg1"/>
+          </a:solidFill>
+          <a:ln>
+            <a:solidFill>
+              <a:schemeClr val="bg1"/>
+            </a:solidFill>
+          </a:ln>
+        </p:spPr>
+        <p:style>
+          <a:lnRef idx="2">
+            <a:schemeClr val="accent1">
+              <a:shade val="15000"/>
+            </a:schemeClr>
+          </a:lnRef>
+          <a:fillRef idx="1">
+            <a:schemeClr val="accent1"/>
+          </a:fillRef>
+          <a:effectRef idx="0">
+            <a:schemeClr val="accent1"/>
+          </a:effectRef>
+          <a:fontRef idx="minor">
+            <a:schemeClr val="lt1"/>
+          </a:fontRef>
+        </p:style>
+        <p:txBody>
+          <a:bodyPr rtlCol="0" anchor="ctr"/>
+          <a:lstStyle/>
+          <a:p>
+            <a:pPr algn="ctr"/>
+            <a:endParaRPr lang="en-US"/>
+          </a:p>
+        </p:txBody>
+      </p:sp>
+      <p:sp>
+        <p:nvSpPr>
+          <p:cNvPr id="13" name="TextBox 12">
+            <a:extLst>
+              <a:ext uri="{FF2B5EF4-FFF2-40B4-BE49-F238E27FC236}">
+                <a16:creationId xmlns:a16="http://schemas.microsoft.com/office/drawing/2014/main" id="{B0C3748F-A155-C771-744B-2987E42AE0D7}"/>
+              </a:ext>
+            </a:extLst>
+          </p:cNvPr>
+          <p:cNvSpPr txBox="1"/>
+          <p:nvPr/>
+        </p:nvSpPr>
+        <p:spPr>
+          <a:xfrm>
+            <a:off x="3385544" y="5154236"/>
+            <a:ext cx="532435" cy="369332"/>
+          </a:xfrm>
+          <a:prstGeom prst="rect">
+            <a:avLst/>
+          </a:prstGeom>
+          <a:solidFill>
+            <a:schemeClr val="bg1"/>
+          </a:solidFill>
+          <a:ln>
+            <a:solidFill>
+              <a:schemeClr val="bg1"/>
+            </a:solidFill>
+          </a:ln>
+        </p:spPr>
+        <p:txBody>
+          <a:bodyPr wrap="square" rtlCol="0">
+            <a:spAutoFit/>
+          </a:bodyPr>
+          <a:lstStyle/>
+          <a:p>
+            <a:pPr algn="ctr"/>
+            <a:r>
+              <a:rPr lang="en-US" b="1" dirty="0">
+                <a:latin typeface="Arial" panose="020B0604020202020204" pitchFamily="34" charset="0"/>
+                <a:cs typeface="Arial" panose="020B0604020202020204" pitchFamily="34" charset="0"/>
+              </a:rPr>
+              <a:t>B</a:t>
+            </a:r>
+          </a:p>
+        </p:txBody>
+      </p:sp>
+      <p:sp>
+        <p:nvSpPr>
+          <p:cNvPr id="14" name="TextBox 13">
+            <a:extLst>
+              <a:ext uri="{FF2B5EF4-FFF2-40B4-BE49-F238E27FC236}">
+                <a16:creationId xmlns:a16="http://schemas.microsoft.com/office/drawing/2014/main" id="{05196770-4904-5D75-77F4-09B28A695898}"/>
+              </a:ext>
+            </a:extLst>
+          </p:cNvPr>
+          <p:cNvSpPr txBox="1"/>
+          <p:nvPr/>
+        </p:nvSpPr>
+        <p:spPr>
+          <a:xfrm>
+            <a:off x="3366402" y="1606853"/>
+            <a:ext cx="532435" cy="369332"/>
+          </a:xfrm>
+          <a:prstGeom prst="rect">
+            <a:avLst/>
+          </a:prstGeom>
+          <a:solidFill>
+            <a:schemeClr val="bg1"/>
+          </a:solidFill>
+          <a:ln>
+            <a:solidFill>
+              <a:schemeClr val="bg1"/>
+            </a:solidFill>
+          </a:ln>
+        </p:spPr>
+        <p:txBody>
+          <a:bodyPr wrap="square" rtlCol="0">
+            <a:spAutoFit/>
+          </a:bodyPr>
+          <a:lstStyle/>
+          <a:p>
+            <a:pPr algn="ctr"/>
+            <a:r>
+              <a:rPr lang="en-US" b="1" dirty="0">
+                <a:latin typeface="Arial" panose="020B0604020202020204" pitchFamily="34" charset="0"/>
+                <a:cs typeface="Arial" panose="020B0604020202020204" pitchFamily="34" charset="0"/>
+              </a:rPr>
+              <a:t>A</a:t>
+            </a:r>
+          </a:p>
+        </p:txBody>
+      </p:sp>
+      <p:sp>
+        <p:nvSpPr>
+          <p:cNvPr id="16" name="Rectangle 15">
+            <a:extLst>
+              <a:ext uri="{FF2B5EF4-FFF2-40B4-BE49-F238E27FC236}">
+                <a16:creationId xmlns:a16="http://schemas.microsoft.com/office/drawing/2014/main" id="{C82F2ABF-1C7F-76F8-5091-4CBC4FB250D9}"/>
+              </a:ext>
+            </a:extLst>
+          </p:cNvPr>
+          <p:cNvSpPr/>
+          <p:nvPr/>
+        </p:nvSpPr>
+        <p:spPr>
+          <a:xfrm>
+            <a:off x="4913453" y="1617368"/>
+            <a:ext cx="692552" cy="555585"/>
+          </a:xfrm>
+          <a:prstGeom prst="rect">
+            <a:avLst/>
+          </a:prstGeom>
+          <a:solidFill>
+            <a:schemeClr val="bg1"/>
+          </a:solidFill>
+          <a:ln>
+            <a:solidFill>
+              <a:schemeClr val="bg1"/>
+            </a:solidFill>
+          </a:ln>
+        </p:spPr>
+        <p:style>
+          <a:lnRef idx="2">
+            <a:schemeClr val="accent1">
+              <a:shade val="15000"/>
+            </a:schemeClr>
+          </a:lnRef>
+          <a:fillRef idx="1">
+            <a:schemeClr val="accent1"/>
+          </a:fillRef>
+          <a:effectRef idx="0">
+            <a:schemeClr val="accent1"/>
+          </a:effectRef>
+          <a:fontRef idx="minor">
+            <a:schemeClr val="lt1"/>
+          </a:fontRef>
+        </p:style>
+        <p:txBody>
+          <a:bodyPr rtlCol="0" anchor="ctr"/>
+          <a:lstStyle/>
+          <a:p>
+            <a:pPr algn="ctr"/>
+            <a:endParaRPr lang="en-US"/>
+          </a:p>
+        </p:txBody>
+      </p:sp>
+      <p:sp>
+        <p:nvSpPr>
+          <p:cNvPr id="17" name="Rectangle 16">
+            <a:extLst>
+              <a:ext uri="{FF2B5EF4-FFF2-40B4-BE49-F238E27FC236}">
+                <a16:creationId xmlns:a16="http://schemas.microsoft.com/office/drawing/2014/main" id="{9041CCD5-F253-C0C4-E533-F0243BBF008F}"/>
+              </a:ext>
+            </a:extLst>
+          </p:cNvPr>
+          <p:cNvSpPr/>
+          <p:nvPr/>
+        </p:nvSpPr>
+        <p:spPr>
+          <a:xfrm>
+            <a:off x="2046690" y="3312288"/>
+            <a:ext cx="692552" cy="555585"/>
+          </a:xfrm>
+          <a:prstGeom prst="rect">
+            <a:avLst/>
+          </a:prstGeom>
+          <a:solidFill>
+            <a:schemeClr val="bg1"/>
+          </a:solidFill>
+          <a:ln>
+            <a:solidFill>
+              <a:schemeClr val="bg1"/>
+            </a:solidFill>
+          </a:ln>
+        </p:spPr>
+        <p:style>
+          <a:lnRef idx="2">
+            <a:schemeClr val="accent1">
+              <a:shade val="15000"/>
+            </a:schemeClr>
+          </a:lnRef>
+          <a:fillRef idx="1">
+            <a:schemeClr val="accent1"/>
+          </a:fillRef>
+          <a:effectRef idx="0">
+            <a:schemeClr val="accent1"/>
+          </a:effectRef>
+          <a:fontRef idx="minor">
+            <a:schemeClr val="lt1"/>
+          </a:fontRef>
+        </p:style>
+        <p:txBody>
+          <a:bodyPr rtlCol="0" anchor="ctr"/>
+          <a:lstStyle/>
+          <a:p>
+            <a:pPr algn="ctr"/>
+            <a:endParaRPr lang="en-US"/>
+          </a:p>
+        </p:txBody>
+      </p:sp>
+      <p:sp>
+        <p:nvSpPr>
+          <p:cNvPr id="18" name="Rectangle 17">
+            <a:extLst>
+              <a:ext uri="{FF2B5EF4-FFF2-40B4-BE49-F238E27FC236}">
+                <a16:creationId xmlns:a16="http://schemas.microsoft.com/office/drawing/2014/main" id="{DD1C547C-D461-3210-7200-D1F6699BF0DF}"/>
+              </a:ext>
+            </a:extLst>
+          </p:cNvPr>
+          <p:cNvSpPr/>
+          <p:nvPr/>
+        </p:nvSpPr>
+        <p:spPr>
+          <a:xfrm>
+            <a:off x="4101298" y="3312287"/>
+            <a:ext cx="692552" cy="555585"/>
+          </a:xfrm>
+          <a:prstGeom prst="rect">
+            <a:avLst/>
+          </a:prstGeom>
+          <a:solidFill>
+            <a:schemeClr val="bg1"/>
+          </a:solidFill>
+          <a:ln>
+            <a:solidFill>
+              <a:schemeClr val="bg1"/>
+            </a:solidFill>
+          </a:ln>
+        </p:spPr>
+        <p:style>
+          <a:lnRef idx="2">
+            <a:schemeClr val="accent1">
+              <a:shade val="15000"/>
+            </a:schemeClr>
+          </a:lnRef>
+          <a:fillRef idx="1">
+            <a:schemeClr val="accent1"/>
+          </a:fillRef>
+          <a:effectRef idx="0">
+            <a:schemeClr val="accent1"/>
+          </a:effectRef>
+          <a:fontRef idx="minor">
+            <a:schemeClr val="lt1"/>
+          </a:fontRef>
+        </p:style>
+        <p:txBody>
+          <a:bodyPr rtlCol="0" anchor="ctr"/>
+          <a:lstStyle/>
+          <a:p>
+            <a:pPr algn="ctr"/>
+            <a:endParaRPr lang="en-US"/>
+          </a:p>
+        </p:txBody>
+      </p:sp>
+      <p:sp>
+        <p:nvSpPr>
+          <p:cNvPr id="20" name="Rectangle 19">
+            <a:extLst>
+              <a:ext uri="{FF2B5EF4-FFF2-40B4-BE49-F238E27FC236}">
+                <a16:creationId xmlns:a16="http://schemas.microsoft.com/office/drawing/2014/main" id="{05E66DA8-EDA2-6558-AF84-5CCA6B82E517}"/>
+              </a:ext>
+            </a:extLst>
+          </p:cNvPr>
+          <p:cNvSpPr/>
+          <p:nvPr/>
+        </p:nvSpPr>
+        <p:spPr>
+          <a:xfrm>
+            <a:off x="4996305" y="4895211"/>
+            <a:ext cx="692552" cy="555585"/>
+          </a:xfrm>
+          <a:prstGeom prst="rect">
+            <a:avLst/>
+          </a:prstGeom>
+          <a:solidFill>
+            <a:schemeClr val="bg1"/>
+          </a:solidFill>
+          <a:ln>
+            <a:solidFill>
+              <a:schemeClr val="bg1"/>
+            </a:solidFill>
+          </a:ln>
+        </p:spPr>
+        <p:style>
+          <a:lnRef idx="2">
+            <a:schemeClr val="accent1">
+              <a:shade val="15000"/>
+            </a:schemeClr>
+          </a:lnRef>
+          <a:fillRef idx="1">
+            <a:schemeClr val="accent1"/>
+          </a:fillRef>
+          <a:effectRef idx="0">
+            <a:schemeClr val="accent1"/>
+          </a:effectRef>
+          <a:fontRef idx="minor">
+            <a:schemeClr val="lt1"/>
+          </a:fontRef>
+        </p:style>
+        <p:txBody>
+          <a:bodyPr rtlCol="0" anchor="ctr"/>
+          <a:lstStyle/>
+          <a:p>
+            <a:pPr algn="ctr"/>
+            <a:endParaRPr lang="en-US"/>
+          </a:p>
+        </p:txBody>
+      </p:sp>
+      <p:sp>
+        <p:nvSpPr>
+          <p:cNvPr id="2" name="Rectangle 1">
+            <a:extLst>
+              <a:ext uri="{FF2B5EF4-FFF2-40B4-BE49-F238E27FC236}">
+                <a16:creationId xmlns:a16="http://schemas.microsoft.com/office/drawing/2014/main" id="{F073B44C-EAC3-2962-D875-481AD2DEE7BE}"/>
+              </a:ext>
+            </a:extLst>
+          </p:cNvPr>
+          <p:cNvSpPr/>
+          <p:nvPr/>
+        </p:nvSpPr>
+        <p:spPr>
+          <a:xfrm>
+            <a:off x="1497957" y="5108819"/>
+            <a:ext cx="692552" cy="555585"/>
+          </a:xfrm>
+          <a:prstGeom prst="rect">
+            <a:avLst/>
+          </a:prstGeom>
+          <a:solidFill>
+            <a:schemeClr val="bg1"/>
+          </a:solidFill>
+          <a:ln>
+            <a:solidFill>
+              <a:schemeClr val="bg1"/>
+            </a:solidFill>
+          </a:ln>
+        </p:spPr>
+        <p:style>
+          <a:lnRef idx="2">
+            <a:schemeClr val="accent1">
+              <a:shade val="15000"/>
+            </a:schemeClr>
+          </a:lnRef>
+          <a:fillRef idx="1">
+            <a:schemeClr val="accent1"/>
+          </a:fillRef>
+          <a:effectRef idx="0">
+            <a:schemeClr val="accent1"/>
+          </a:effectRef>
+          <a:fontRef idx="minor">
+            <a:schemeClr val="lt1"/>
+          </a:fontRef>
+        </p:style>
+        <p:txBody>
+          <a:bodyPr rtlCol="0" anchor="ctr"/>
+          <a:lstStyle/>
+          <a:p>
+            <a:pPr algn="ctr"/>
+            <a:endParaRPr lang="en-US"/>
+          </a:p>
+        </p:txBody>
+      </p:sp>
+      <p:sp>
+        <p:nvSpPr>
+          <p:cNvPr id="3" name="Rectangle 2">
+            <a:extLst>
+              <a:ext uri="{FF2B5EF4-FFF2-40B4-BE49-F238E27FC236}">
+                <a16:creationId xmlns:a16="http://schemas.microsoft.com/office/drawing/2014/main" id="{636EAEC0-102B-5131-FB04-122B6B903092}"/>
+              </a:ext>
+            </a:extLst>
+          </p:cNvPr>
+          <p:cNvSpPr/>
+          <p:nvPr/>
+        </p:nvSpPr>
+        <p:spPr>
+          <a:xfrm>
+            <a:off x="1471046" y="1329061"/>
+            <a:ext cx="692552" cy="555585"/>
+          </a:xfrm>
+          <a:prstGeom prst="rect">
+            <a:avLst/>
+          </a:prstGeom>
+          <a:solidFill>
+            <a:schemeClr val="bg1"/>
+          </a:solidFill>
+          <a:ln>
+            <a:solidFill>
+              <a:schemeClr val="bg1"/>
+            </a:solidFill>
+          </a:ln>
+        </p:spPr>
+        <p:style>
+          <a:lnRef idx="2">
+            <a:schemeClr val="accent1">
+              <a:shade val="15000"/>
+            </a:schemeClr>
+          </a:lnRef>
+          <a:fillRef idx="1">
+            <a:schemeClr val="accent1"/>
+          </a:fillRef>
+          <a:effectRef idx="0">
+            <a:schemeClr val="accent1"/>
+          </a:effectRef>
+          <a:fontRef idx="minor">
+            <a:schemeClr val="lt1"/>
+          </a:fontRef>
+        </p:style>
+        <p:txBody>
+          <a:bodyPr rtlCol="0" anchor="ctr"/>
+          <a:lstStyle/>
+          <a:p>
+            <a:pPr algn="ctr"/>
+            <a:endParaRPr lang="en-US"/>
+          </a:p>
+        </p:txBody>
+      </p:sp>
     </p:spTree>
     <p:extLst>
       <p:ext uri="{BB962C8B-B14F-4D97-AF65-F5344CB8AC3E}">
-        <p14:creationId xmlns:p14="http://schemas.microsoft.com/office/powerpoint/2010/main" val="2348998749"/>
+        <p14:creationId xmlns:p14="http://schemas.microsoft.com/office/powerpoint/2010/main" val="1940866294"/>
       </p:ext>
     </p:extLst>
   </p:cSld>
@@ -5575,534 +6738,10 @@
           </a:prstGeom>
         </p:spPr>
       </p:pic>
-      <p:sp>
-        <p:nvSpPr>
-          <p:cNvPr id="2" name="Rectangle 1">
-            <a:extLst>
-              <a:ext uri="{FF2B5EF4-FFF2-40B4-BE49-F238E27FC236}">
-                <a16:creationId xmlns:a16="http://schemas.microsoft.com/office/drawing/2014/main" id="{843D09D0-8F0A-B50D-9584-CA8DC296E80B}"/>
-              </a:ext>
-            </a:extLst>
-          </p:cNvPr>
-          <p:cNvSpPr/>
-          <p:nvPr/>
-        </p:nvSpPr>
-        <p:spPr>
-          <a:xfrm>
-            <a:off x="6192455" y="162045"/>
-            <a:ext cx="532435" cy="555585"/>
-          </a:xfrm>
-          <a:prstGeom prst="rect">
-            <a:avLst/>
-          </a:prstGeom>
-          <a:solidFill>
-            <a:schemeClr val="bg1"/>
-          </a:solidFill>
-          <a:ln>
-            <a:solidFill>
-              <a:schemeClr val="bg1"/>
-            </a:solidFill>
-          </a:ln>
-        </p:spPr>
-        <p:style>
-          <a:lnRef idx="2">
-            <a:schemeClr val="accent1">
-              <a:shade val="15000"/>
-            </a:schemeClr>
-          </a:lnRef>
-          <a:fillRef idx="1">
-            <a:schemeClr val="accent1"/>
-          </a:fillRef>
-          <a:effectRef idx="0">
-            <a:schemeClr val="accent1"/>
-          </a:effectRef>
-          <a:fontRef idx="minor">
-            <a:schemeClr val="lt1"/>
-          </a:fontRef>
-        </p:style>
-        <p:txBody>
-          <a:bodyPr rtlCol="0" anchor="ctr"/>
-          <a:lstStyle/>
-          <a:p>
-            <a:pPr algn="ctr"/>
-            <a:endParaRPr lang="en-US"/>
-          </a:p>
-        </p:txBody>
-      </p:sp>
-      <p:sp>
-        <p:nvSpPr>
-          <p:cNvPr id="3" name="Rectangle 2">
-            <a:extLst>
-              <a:ext uri="{FF2B5EF4-FFF2-40B4-BE49-F238E27FC236}">
-                <a16:creationId xmlns:a16="http://schemas.microsoft.com/office/drawing/2014/main" id="{93B3A33B-A3E3-28C0-60F7-E79C98AC73C7}"/>
-              </a:ext>
-            </a:extLst>
-          </p:cNvPr>
-          <p:cNvSpPr/>
-          <p:nvPr/>
-        </p:nvSpPr>
-        <p:spPr>
-          <a:xfrm>
-            <a:off x="3241973" y="1965670"/>
-            <a:ext cx="692552" cy="555585"/>
-          </a:xfrm>
-          <a:prstGeom prst="rect">
-            <a:avLst/>
-          </a:prstGeom>
-          <a:solidFill>
-            <a:schemeClr val="bg1"/>
-          </a:solidFill>
-          <a:ln>
-            <a:solidFill>
-              <a:schemeClr val="bg1"/>
-            </a:solidFill>
-          </a:ln>
-        </p:spPr>
-        <p:style>
-          <a:lnRef idx="2">
-            <a:schemeClr val="accent1">
-              <a:shade val="15000"/>
-            </a:schemeClr>
-          </a:lnRef>
-          <a:fillRef idx="1">
-            <a:schemeClr val="accent1"/>
-          </a:fillRef>
-          <a:effectRef idx="0">
-            <a:schemeClr val="accent1"/>
-          </a:effectRef>
-          <a:fontRef idx="minor">
-            <a:schemeClr val="lt1"/>
-          </a:fontRef>
-        </p:style>
-        <p:txBody>
-          <a:bodyPr rtlCol="0" anchor="ctr"/>
-          <a:lstStyle/>
-          <a:p>
-            <a:pPr algn="ctr"/>
-            <a:endParaRPr lang="en-US"/>
-          </a:p>
-        </p:txBody>
-      </p:sp>
-      <p:sp>
-        <p:nvSpPr>
-          <p:cNvPr id="4" name="Rectangle 3">
-            <a:extLst>
-              <a:ext uri="{FF2B5EF4-FFF2-40B4-BE49-F238E27FC236}">
-                <a16:creationId xmlns:a16="http://schemas.microsoft.com/office/drawing/2014/main" id="{8FE3A259-9478-790E-D2BF-4D5D12324BF6}"/>
-              </a:ext>
-            </a:extLst>
-          </p:cNvPr>
-          <p:cNvSpPr/>
-          <p:nvPr/>
-        </p:nvSpPr>
-        <p:spPr>
-          <a:xfrm>
-            <a:off x="5032440" y="1965669"/>
-            <a:ext cx="692552" cy="555585"/>
-          </a:xfrm>
-          <a:prstGeom prst="rect">
-            <a:avLst/>
-          </a:prstGeom>
-          <a:solidFill>
-            <a:schemeClr val="bg1"/>
-          </a:solidFill>
-          <a:ln>
-            <a:solidFill>
-              <a:schemeClr val="bg1"/>
-            </a:solidFill>
-          </a:ln>
-        </p:spPr>
-        <p:style>
-          <a:lnRef idx="2">
-            <a:schemeClr val="accent1">
-              <a:shade val="15000"/>
-            </a:schemeClr>
-          </a:lnRef>
-          <a:fillRef idx="1">
-            <a:schemeClr val="accent1"/>
-          </a:fillRef>
-          <a:effectRef idx="0">
-            <a:schemeClr val="accent1"/>
-          </a:effectRef>
-          <a:fontRef idx="minor">
-            <a:schemeClr val="lt1"/>
-          </a:fontRef>
-        </p:style>
-        <p:txBody>
-          <a:bodyPr rtlCol="0" anchor="ctr"/>
-          <a:lstStyle/>
-          <a:p>
-            <a:pPr algn="ctr"/>
-            <a:endParaRPr lang="en-US"/>
-          </a:p>
-        </p:txBody>
-      </p:sp>
-      <p:sp>
-        <p:nvSpPr>
-          <p:cNvPr id="5" name="Rectangle 4">
-            <a:extLst>
-              <a:ext uri="{FF2B5EF4-FFF2-40B4-BE49-F238E27FC236}">
-                <a16:creationId xmlns:a16="http://schemas.microsoft.com/office/drawing/2014/main" id="{EFFF3E11-9A2E-0302-4C88-DEA1F41BFCA7}"/>
-              </a:ext>
-            </a:extLst>
-          </p:cNvPr>
-          <p:cNvSpPr/>
-          <p:nvPr/>
-        </p:nvSpPr>
-        <p:spPr>
-          <a:xfrm>
-            <a:off x="2549421" y="3262034"/>
-            <a:ext cx="692552" cy="555585"/>
-          </a:xfrm>
-          <a:prstGeom prst="rect">
-            <a:avLst/>
-          </a:prstGeom>
-          <a:solidFill>
-            <a:schemeClr val="bg1"/>
-          </a:solidFill>
-          <a:ln>
-            <a:solidFill>
-              <a:schemeClr val="bg1"/>
-            </a:solidFill>
-          </a:ln>
-        </p:spPr>
-        <p:style>
-          <a:lnRef idx="2">
-            <a:schemeClr val="accent1">
-              <a:shade val="15000"/>
-            </a:schemeClr>
-          </a:lnRef>
-          <a:fillRef idx="1">
-            <a:schemeClr val="accent1"/>
-          </a:fillRef>
-          <a:effectRef idx="0">
-            <a:schemeClr val="accent1"/>
-          </a:effectRef>
-          <a:fontRef idx="minor">
-            <a:schemeClr val="lt1"/>
-          </a:fontRef>
-        </p:style>
-        <p:txBody>
-          <a:bodyPr rtlCol="0" anchor="ctr"/>
-          <a:lstStyle/>
-          <a:p>
-            <a:pPr algn="ctr"/>
-            <a:endParaRPr lang="en-US"/>
-          </a:p>
-        </p:txBody>
-      </p:sp>
-      <p:sp>
-        <p:nvSpPr>
-          <p:cNvPr id="6" name="Rectangle 5">
-            <a:extLst>
-              <a:ext uri="{FF2B5EF4-FFF2-40B4-BE49-F238E27FC236}">
-                <a16:creationId xmlns:a16="http://schemas.microsoft.com/office/drawing/2014/main" id="{6BE289B5-B187-CF0E-99F2-979A46DBC7BB}"/>
-              </a:ext>
-            </a:extLst>
-          </p:cNvPr>
-          <p:cNvSpPr/>
-          <p:nvPr/>
-        </p:nvSpPr>
-        <p:spPr>
-          <a:xfrm>
-            <a:off x="2630444" y="3273609"/>
-            <a:ext cx="692552" cy="555585"/>
-          </a:xfrm>
-          <a:prstGeom prst="rect">
-            <a:avLst/>
-          </a:prstGeom>
-          <a:solidFill>
-            <a:schemeClr val="bg1"/>
-          </a:solidFill>
-          <a:ln>
-            <a:solidFill>
-              <a:schemeClr val="bg1"/>
-            </a:solidFill>
-          </a:ln>
-        </p:spPr>
-        <p:style>
-          <a:lnRef idx="2">
-            <a:schemeClr val="accent1">
-              <a:shade val="15000"/>
-            </a:schemeClr>
-          </a:lnRef>
-          <a:fillRef idx="1">
-            <a:schemeClr val="accent1"/>
-          </a:fillRef>
-          <a:effectRef idx="0">
-            <a:schemeClr val="accent1"/>
-          </a:effectRef>
-          <a:fontRef idx="minor">
-            <a:schemeClr val="lt1"/>
-          </a:fontRef>
-        </p:style>
-        <p:txBody>
-          <a:bodyPr rtlCol="0" anchor="ctr"/>
-          <a:lstStyle/>
-          <a:p>
-            <a:pPr algn="ctr"/>
-            <a:endParaRPr lang="en-US"/>
-          </a:p>
-        </p:txBody>
-      </p:sp>
-      <p:sp>
-        <p:nvSpPr>
-          <p:cNvPr id="8" name="Rectangle 7">
-            <a:extLst>
-              <a:ext uri="{FF2B5EF4-FFF2-40B4-BE49-F238E27FC236}">
-                <a16:creationId xmlns:a16="http://schemas.microsoft.com/office/drawing/2014/main" id="{21B5081D-2059-CAE1-2F36-6357214E716A}"/>
-              </a:ext>
-            </a:extLst>
-          </p:cNvPr>
-          <p:cNvSpPr/>
-          <p:nvPr/>
-        </p:nvSpPr>
-        <p:spPr>
-          <a:xfrm>
-            <a:off x="3953100" y="3262033"/>
-            <a:ext cx="692552" cy="555585"/>
-          </a:xfrm>
-          <a:prstGeom prst="rect">
-            <a:avLst/>
-          </a:prstGeom>
-          <a:solidFill>
-            <a:schemeClr val="bg1"/>
-          </a:solidFill>
-          <a:ln>
-            <a:solidFill>
-              <a:schemeClr val="bg1"/>
-            </a:solidFill>
-          </a:ln>
-        </p:spPr>
-        <p:style>
-          <a:lnRef idx="2">
-            <a:schemeClr val="accent1">
-              <a:shade val="15000"/>
-            </a:schemeClr>
-          </a:lnRef>
-          <a:fillRef idx="1">
-            <a:schemeClr val="accent1"/>
-          </a:fillRef>
-          <a:effectRef idx="0">
-            <a:schemeClr val="accent1"/>
-          </a:effectRef>
-          <a:fontRef idx="minor">
-            <a:schemeClr val="lt1"/>
-          </a:fontRef>
-        </p:style>
-        <p:txBody>
-          <a:bodyPr rtlCol="0" anchor="ctr"/>
-          <a:lstStyle/>
-          <a:p>
-            <a:pPr algn="ctr"/>
-            <a:endParaRPr lang="en-US"/>
-          </a:p>
-        </p:txBody>
-      </p:sp>
-      <p:sp>
-        <p:nvSpPr>
-          <p:cNvPr id="9" name="Rectangle 8">
-            <a:extLst>
-              <a:ext uri="{FF2B5EF4-FFF2-40B4-BE49-F238E27FC236}">
-                <a16:creationId xmlns:a16="http://schemas.microsoft.com/office/drawing/2014/main" id="{2203FB4B-0BD4-FEBA-41B6-0C2F54E2AA4B}"/>
-              </a:ext>
-            </a:extLst>
-          </p:cNvPr>
-          <p:cNvSpPr/>
-          <p:nvPr/>
-        </p:nvSpPr>
-        <p:spPr>
-          <a:xfrm>
-            <a:off x="1505770" y="4546823"/>
-            <a:ext cx="692552" cy="555585"/>
-          </a:xfrm>
-          <a:prstGeom prst="rect">
-            <a:avLst/>
-          </a:prstGeom>
-          <a:solidFill>
-            <a:schemeClr val="bg1"/>
-          </a:solidFill>
-          <a:ln>
-            <a:solidFill>
-              <a:schemeClr val="bg1"/>
-            </a:solidFill>
-          </a:ln>
-        </p:spPr>
-        <p:style>
-          <a:lnRef idx="2">
-            <a:schemeClr val="accent1">
-              <a:shade val="15000"/>
-            </a:schemeClr>
-          </a:lnRef>
-          <a:fillRef idx="1">
-            <a:schemeClr val="accent1"/>
-          </a:fillRef>
-          <a:effectRef idx="0">
-            <a:schemeClr val="accent1"/>
-          </a:effectRef>
-          <a:fontRef idx="minor">
-            <a:schemeClr val="lt1"/>
-          </a:fontRef>
-        </p:style>
-        <p:txBody>
-          <a:bodyPr rtlCol="0" anchor="ctr"/>
-          <a:lstStyle/>
-          <a:p>
-            <a:pPr algn="ctr"/>
-            <a:endParaRPr lang="en-US"/>
-          </a:p>
-        </p:txBody>
-      </p:sp>
-      <p:sp>
-        <p:nvSpPr>
-          <p:cNvPr id="10" name="Rectangle 9">
-            <a:extLst>
-              <a:ext uri="{FF2B5EF4-FFF2-40B4-BE49-F238E27FC236}">
-                <a16:creationId xmlns:a16="http://schemas.microsoft.com/office/drawing/2014/main" id="{0ED414CF-9953-87F7-D517-CB965D9E50C9}"/>
-              </a:ext>
-            </a:extLst>
-          </p:cNvPr>
-          <p:cNvSpPr/>
-          <p:nvPr/>
-        </p:nvSpPr>
-        <p:spPr>
-          <a:xfrm>
-            <a:off x="3241973" y="4403104"/>
-            <a:ext cx="692552" cy="555585"/>
-          </a:xfrm>
-          <a:prstGeom prst="rect">
-            <a:avLst/>
-          </a:prstGeom>
-          <a:solidFill>
-            <a:schemeClr val="bg1"/>
-          </a:solidFill>
-          <a:ln>
-            <a:solidFill>
-              <a:schemeClr val="bg1"/>
-            </a:solidFill>
-          </a:ln>
-        </p:spPr>
-        <p:style>
-          <a:lnRef idx="2">
-            <a:schemeClr val="accent1">
-              <a:shade val="15000"/>
-            </a:schemeClr>
-          </a:lnRef>
-          <a:fillRef idx="1">
-            <a:schemeClr val="accent1"/>
-          </a:fillRef>
-          <a:effectRef idx="0">
-            <a:schemeClr val="accent1"/>
-          </a:effectRef>
-          <a:fontRef idx="minor">
-            <a:schemeClr val="lt1"/>
-          </a:fontRef>
-        </p:style>
-        <p:txBody>
-          <a:bodyPr rtlCol="0" anchor="ctr"/>
-          <a:lstStyle/>
-          <a:p>
-            <a:pPr algn="ctr"/>
-            <a:endParaRPr lang="en-US"/>
-          </a:p>
-        </p:txBody>
-      </p:sp>
-      <p:sp>
-        <p:nvSpPr>
-          <p:cNvPr id="11" name="TextBox 10">
-            <a:extLst>
-              <a:ext uri="{FF2B5EF4-FFF2-40B4-BE49-F238E27FC236}">
-                <a16:creationId xmlns:a16="http://schemas.microsoft.com/office/drawing/2014/main" id="{C93F1659-BCD3-4B36-81E4-B62C15EA6D8E}"/>
-              </a:ext>
-            </a:extLst>
-          </p:cNvPr>
-          <p:cNvSpPr txBox="1"/>
-          <p:nvPr/>
-        </p:nvSpPr>
-        <p:spPr>
-          <a:xfrm>
-            <a:off x="4955026" y="4639423"/>
-            <a:ext cx="532435" cy="369332"/>
-          </a:xfrm>
-          <a:prstGeom prst="rect">
-            <a:avLst/>
-          </a:prstGeom>
-          <a:solidFill>
-            <a:schemeClr val="bg1"/>
-          </a:solidFill>
-          <a:ln>
-            <a:solidFill>
-              <a:schemeClr val="bg1"/>
-            </a:solidFill>
-          </a:ln>
-        </p:spPr>
-        <p:txBody>
-          <a:bodyPr wrap="square" rtlCol="0">
-            <a:spAutoFit/>
-          </a:bodyPr>
-          <a:lstStyle/>
-          <a:p>
-            <a:pPr algn="ctr"/>
-            <a:r>
-              <a:rPr lang="en-US" b="1" dirty="0">
-                <a:latin typeface="Arial" panose="020B0604020202020204" pitchFamily="34" charset="0"/>
-                <a:cs typeface="Arial" panose="020B0604020202020204" pitchFamily="34" charset="0"/>
-              </a:rPr>
-              <a:t>A</a:t>
-            </a:r>
-          </a:p>
-        </p:txBody>
-      </p:sp>
-      <p:sp>
-        <p:nvSpPr>
-          <p:cNvPr id="12" name="TextBox 11">
-            <a:extLst>
-              <a:ext uri="{FF2B5EF4-FFF2-40B4-BE49-F238E27FC236}">
-                <a16:creationId xmlns:a16="http://schemas.microsoft.com/office/drawing/2014/main" id="{CC75083F-AE7C-B681-2A28-76BF37E0B738}"/>
-              </a:ext>
-            </a:extLst>
-          </p:cNvPr>
-          <p:cNvSpPr txBox="1"/>
-          <p:nvPr/>
-        </p:nvSpPr>
-        <p:spPr>
-          <a:xfrm>
-            <a:off x="1379507" y="2081945"/>
-            <a:ext cx="532435" cy="369332"/>
-          </a:xfrm>
-          <a:prstGeom prst="rect">
-            <a:avLst/>
-          </a:prstGeom>
-          <a:solidFill>
-            <a:schemeClr val="bg1"/>
-          </a:solidFill>
-          <a:ln>
-            <a:solidFill>
-              <a:schemeClr val="bg1"/>
-            </a:solidFill>
-          </a:ln>
-        </p:spPr>
-        <p:txBody>
-          <a:bodyPr wrap="square" rtlCol="0">
-            <a:spAutoFit/>
-          </a:bodyPr>
-          <a:lstStyle/>
-          <a:p>
-            <a:pPr algn="ctr"/>
-            <a:r>
-              <a:rPr lang="en-US" b="1" dirty="0">
-                <a:latin typeface="Arial" panose="020B0604020202020204" pitchFamily="34" charset="0"/>
-                <a:cs typeface="Arial" panose="020B0604020202020204" pitchFamily="34" charset="0"/>
-              </a:rPr>
-              <a:t>B</a:t>
-            </a:r>
-          </a:p>
-        </p:txBody>
-      </p:sp>
     </p:spTree>
     <p:extLst>
       <p:ext uri="{BB962C8B-B14F-4D97-AF65-F5344CB8AC3E}">
-        <p14:creationId xmlns:p14="http://schemas.microsoft.com/office/powerpoint/2010/main" val="3393385130"/>
+        <p14:creationId xmlns:p14="http://schemas.microsoft.com/office/powerpoint/2010/main" val="2348998749"/>
       </p:ext>
     </p:extLst>
   </p:cSld>
@@ -6131,10 +6770,10 @@
       </p:grpSpPr>
       <p:pic>
         <p:nvPicPr>
-          <p:cNvPr id="3" name="Picture 2">
-            <a:extLst>
-              <a:ext uri="{FF2B5EF4-FFF2-40B4-BE49-F238E27FC236}">
-                <a16:creationId xmlns:a16="http://schemas.microsoft.com/office/drawing/2014/main" id="{E2221CCF-11F4-74FE-2C7C-68BD50B5106C}"/>
+          <p:cNvPr id="7" name="Picture 6" descr="A screenshot of a cell phone&#10;&#10;Description automatically generated">
+            <a:extLst>
+              <a:ext uri="{FF2B5EF4-FFF2-40B4-BE49-F238E27FC236}">
+                <a16:creationId xmlns:a16="http://schemas.microsoft.com/office/drawing/2014/main" id="{FB27DEE6-4ACC-E643-8DA4-E0FB2FCAD4EF}"/>
               </a:ext>
             </a:extLst>
           </p:cNvPr>
@@ -6151,18 +6790,542 @@
         </p:blipFill>
         <p:spPr>
           <a:xfrm>
-            <a:off x="0" y="13222"/>
-            <a:ext cx="6840538" cy="6814093"/>
+            <a:off x="17630" y="0"/>
+            <a:ext cx="6805277" cy="6840538"/>
           </a:xfrm>
           <a:prstGeom prst="rect">
             <a:avLst/>
           </a:prstGeom>
         </p:spPr>
       </p:pic>
+      <p:sp>
+        <p:nvSpPr>
+          <p:cNvPr id="2" name="Rectangle 1">
+            <a:extLst>
+              <a:ext uri="{FF2B5EF4-FFF2-40B4-BE49-F238E27FC236}">
+                <a16:creationId xmlns:a16="http://schemas.microsoft.com/office/drawing/2014/main" id="{843D09D0-8F0A-B50D-9584-CA8DC296E80B}"/>
+              </a:ext>
+            </a:extLst>
+          </p:cNvPr>
+          <p:cNvSpPr/>
+          <p:nvPr/>
+        </p:nvSpPr>
+        <p:spPr>
+          <a:xfrm>
+            <a:off x="6192455" y="162045"/>
+            <a:ext cx="532435" cy="555585"/>
+          </a:xfrm>
+          <a:prstGeom prst="rect">
+            <a:avLst/>
+          </a:prstGeom>
+          <a:solidFill>
+            <a:schemeClr val="bg1"/>
+          </a:solidFill>
+          <a:ln>
+            <a:solidFill>
+              <a:schemeClr val="bg1"/>
+            </a:solidFill>
+          </a:ln>
+        </p:spPr>
+        <p:style>
+          <a:lnRef idx="2">
+            <a:schemeClr val="accent1">
+              <a:shade val="15000"/>
+            </a:schemeClr>
+          </a:lnRef>
+          <a:fillRef idx="1">
+            <a:schemeClr val="accent1"/>
+          </a:fillRef>
+          <a:effectRef idx="0">
+            <a:schemeClr val="accent1"/>
+          </a:effectRef>
+          <a:fontRef idx="minor">
+            <a:schemeClr val="lt1"/>
+          </a:fontRef>
+        </p:style>
+        <p:txBody>
+          <a:bodyPr rtlCol="0" anchor="ctr"/>
+          <a:lstStyle/>
+          <a:p>
+            <a:pPr algn="ctr"/>
+            <a:endParaRPr lang="en-US"/>
+          </a:p>
+        </p:txBody>
+      </p:sp>
+      <p:sp>
+        <p:nvSpPr>
+          <p:cNvPr id="3" name="Rectangle 2">
+            <a:extLst>
+              <a:ext uri="{FF2B5EF4-FFF2-40B4-BE49-F238E27FC236}">
+                <a16:creationId xmlns:a16="http://schemas.microsoft.com/office/drawing/2014/main" id="{93B3A33B-A3E3-28C0-60F7-E79C98AC73C7}"/>
+              </a:ext>
+            </a:extLst>
+          </p:cNvPr>
+          <p:cNvSpPr/>
+          <p:nvPr/>
+        </p:nvSpPr>
+        <p:spPr>
+          <a:xfrm>
+            <a:off x="3241973" y="1965670"/>
+            <a:ext cx="692552" cy="555585"/>
+          </a:xfrm>
+          <a:prstGeom prst="rect">
+            <a:avLst/>
+          </a:prstGeom>
+          <a:solidFill>
+            <a:schemeClr val="bg1"/>
+          </a:solidFill>
+          <a:ln>
+            <a:solidFill>
+              <a:schemeClr val="bg1"/>
+            </a:solidFill>
+          </a:ln>
+        </p:spPr>
+        <p:style>
+          <a:lnRef idx="2">
+            <a:schemeClr val="accent1">
+              <a:shade val="15000"/>
+            </a:schemeClr>
+          </a:lnRef>
+          <a:fillRef idx="1">
+            <a:schemeClr val="accent1"/>
+          </a:fillRef>
+          <a:effectRef idx="0">
+            <a:schemeClr val="accent1"/>
+          </a:effectRef>
+          <a:fontRef idx="minor">
+            <a:schemeClr val="lt1"/>
+          </a:fontRef>
+        </p:style>
+        <p:txBody>
+          <a:bodyPr rtlCol="0" anchor="ctr"/>
+          <a:lstStyle/>
+          <a:p>
+            <a:pPr algn="ctr"/>
+            <a:endParaRPr lang="en-US"/>
+          </a:p>
+        </p:txBody>
+      </p:sp>
+      <p:sp>
+        <p:nvSpPr>
+          <p:cNvPr id="4" name="Rectangle 3">
+            <a:extLst>
+              <a:ext uri="{FF2B5EF4-FFF2-40B4-BE49-F238E27FC236}">
+                <a16:creationId xmlns:a16="http://schemas.microsoft.com/office/drawing/2014/main" id="{8FE3A259-9478-790E-D2BF-4D5D12324BF6}"/>
+              </a:ext>
+            </a:extLst>
+          </p:cNvPr>
+          <p:cNvSpPr/>
+          <p:nvPr/>
+        </p:nvSpPr>
+        <p:spPr>
+          <a:xfrm>
+            <a:off x="5032440" y="1965669"/>
+            <a:ext cx="692552" cy="555585"/>
+          </a:xfrm>
+          <a:prstGeom prst="rect">
+            <a:avLst/>
+          </a:prstGeom>
+          <a:solidFill>
+            <a:schemeClr val="bg1"/>
+          </a:solidFill>
+          <a:ln>
+            <a:solidFill>
+              <a:schemeClr val="bg1"/>
+            </a:solidFill>
+          </a:ln>
+        </p:spPr>
+        <p:style>
+          <a:lnRef idx="2">
+            <a:schemeClr val="accent1">
+              <a:shade val="15000"/>
+            </a:schemeClr>
+          </a:lnRef>
+          <a:fillRef idx="1">
+            <a:schemeClr val="accent1"/>
+          </a:fillRef>
+          <a:effectRef idx="0">
+            <a:schemeClr val="accent1"/>
+          </a:effectRef>
+          <a:fontRef idx="minor">
+            <a:schemeClr val="lt1"/>
+          </a:fontRef>
+        </p:style>
+        <p:txBody>
+          <a:bodyPr rtlCol="0" anchor="ctr"/>
+          <a:lstStyle/>
+          <a:p>
+            <a:pPr algn="ctr"/>
+            <a:endParaRPr lang="en-US"/>
+          </a:p>
+        </p:txBody>
+      </p:sp>
+      <p:sp>
+        <p:nvSpPr>
+          <p:cNvPr id="5" name="Rectangle 4">
+            <a:extLst>
+              <a:ext uri="{FF2B5EF4-FFF2-40B4-BE49-F238E27FC236}">
+                <a16:creationId xmlns:a16="http://schemas.microsoft.com/office/drawing/2014/main" id="{EFFF3E11-9A2E-0302-4C88-DEA1F41BFCA7}"/>
+              </a:ext>
+            </a:extLst>
+          </p:cNvPr>
+          <p:cNvSpPr/>
+          <p:nvPr/>
+        </p:nvSpPr>
+        <p:spPr>
+          <a:xfrm>
+            <a:off x="2549421" y="3262034"/>
+            <a:ext cx="692552" cy="555585"/>
+          </a:xfrm>
+          <a:prstGeom prst="rect">
+            <a:avLst/>
+          </a:prstGeom>
+          <a:solidFill>
+            <a:schemeClr val="bg1"/>
+          </a:solidFill>
+          <a:ln>
+            <a:solidFill>
+              <a:schemeClr val="bg1"/>
+            </a:solidFill>
+          </a:ln>
+        </p:spPr>
+        <p:style>
+          <a:lnRef idx="2">
+            <a:schemeClr val="accent1">
+              <a:shade val="15000"/>
+            </a:schemeClr>
+          </a:lnRef>
+          <a:fillRef idx="1">
+            <a:schemeClr val="accent1"/>
+          </a:fillRef>
+          <a:effectRef idx="0">
+            <a:schemeClr val="accent1"/>
+          </a:effectRef>
+          <a:fontRef idx="minor">
+            <a:schemeClr val="lt1"/>
+          </a:fontRef>
+        </p:style>
+        <p:txBody>
+          <a:bodyPr rtlCol="0" anchor="ctr"/>
+          <a:lstStyle/>
+          <a:p>
+            <a:pPr algn="ctr"/>
+            <a:endParaRPr lang="en-US"/>
+          </a:p>
+        </p:txBody>
+      </p:sp>
+      <p:sp>
+        <p:nvSpPr>
+          <p:cNvPr id="6" name="Rectangle 5">
+            <a:extLst>
+              <a:ext uri="{FF2B5EF4-FFF2-40B4-BE49-F238E27FC236}">
+                <a16:creationId xmlns:a16="http://schemas.microsoft.com/office/drawing/2014/main" id="{6BE289B5-B187-CF0E-99F2-979A46DBC7BB}"/>
+              </a:ext>
+            </a:extLst>
+          </p:cNvPr>
+          <p:cNvSpPr/>
+          <p:nvPr/>
+        </p:nvSpPr>
+        <p:spPr>
+          <a:xfrm>
+            <a:off x="2630444" y="3273609"/>
+            <a:ext cx="692552" cy="555585"/>
+          </a:xfrm>
+          <a:prstGeom prst="rect">
+            <a:avLst/>
+          </a:prstGeom>
+          <a:solidFill>
+            <a:schemeClr val="bg1"/>
+          </a:solidFill>
+          <a:ln>
+            <a:solidFill>
+              <a:schemeClr val="bg1"/>
+            </a:solidFill>
+          </a:ln>
+        </p:spPr>
+        <p:style>
+          <a:lnRef idx="2">
+            <a:schemeClr val="accent1">
+              <a:shade val="15000"/>
+            </a:schemeClr>
+          </a:lnRef>
+          <a:fillRef idx="1">
+            <a:schemeClr val="accent1"/>
+          </a:fillRef>
+          <a:effectRef idx="0">
+            <a:schemeClr val="accent1"/>
+          </a:effectRef>
+          <a:fontRef idx="minor">
+            <a:schemeClr val="lt1"/>
+          </a:fontRef>
+        </p:style>
+        <p:txBody>
+          <a:bodyPr rtlCol="0" anchor="ctr"/>
+          <a:lstStyle/>
+          <a:p>
+            <a:pPr algn="ctr"/>
+            <a:endParaRPr lang="en-US"/>
+          </a:p>
+        </p:txBody>
+      </p:sp>
+      <p:sp>
+        <p:nvSpPr>
+          <p:cNvPr id="8" name="Rectangle 7">
+            <a:extLst>
+              <a:ext uri="{FF2B5EF4-FFF2-40B4-BE49-F238E27FC236}">
+                <a16:creationId xmlns:a16="http://schemas.microsoft.com/office/drawing/2014/main" id="{21B5081D-2059-CAE1-2F36-6357214E716A}"/>
+              </a:ext>
+            </a:extLst>
+          </p:cNvPr>
+          <p:cNvSpPr/>
+          <p:nvPr/>
+        </p:nvSpPr>
+        <p:spPr>
+          <a:xfrm>
+            <a:off x="3953100" y="3262033"/>
+            <a:ext cx="692552" cy="555585"/>
+          </a:xfrm>
+          <a:prstGeom prst="rect">
+            <a:avLst/>
+          </a:prstGeom>
+          <a:solidFill>
+            <a:schemeClr val="bg1"/>
+          </a:solidFill>
+          <a:ln>
+            <a:solidFill>
+              <a:schemeClr val="bg1"/>
+            </a:solidFill>
+          </a:ln>
+        </p:spPr>
+        <p:style>
+          <a:lnRef idx="2">
+            <a:schemeClr val="accent1">
+              <a:shade val="15000"/>
+            </a:schemeClr>
+          </a:lnRef>
+          <a:fillRef idx="1">
+            <a:schemeClr val="accent1"/>
+          </a:fillRef>
+          <a:effectRef idx="0">
+            <a:schemeClr val="accent1"/>
+          </a:effectRef>
+          <a:fontRef idx="minor">
+            <a:schemeClr val="lt1"/>
+          </a:fontRef>
+        </p:style>
+        <p:txBody>
+          <a:bodyPr rtlCol="0" anchor="ctr"/>
+          <a:lstStyle/>
+          <a:p>
+            <a:pPr algn="ctr"/>
+            <a:endParaRPr lang="en-US"/>
+          </a:p>
+        </p:txBody>
+      </p:sp>
+      <p:sp>
+        <p:nvSpPr>
+          <p:cNvPr id="9" name="Rectangle 8">
+            <a:extLst>
+              <a:ext uri="{FF2B5EF4-FFF2-40B4-BE49-F238E27FC236}">
+                <a16:creationId xmlns:a16="http://schemas.microsoft.com/office/drawing/2014/main" id="{2203FB4B-0BD4-FEBA-41B6-0C2F54E2AA4B}"/>
+              </a:ext>
+            </a:extLst>
+          </p:cNvPr>
+          <p:cNvSpPr/>
+          <p:nvPr/>
+        </p:nvSpPr>
+        <p:spPr>
+          <a:xfrm>
+            <a:off x="1505770" y="4546823"/>
+            <a:ext cx="692552" cy="555585"/>
+          </a:xfrm>
+          <a:prstGeom prst="rect">
+            <a:avLst/>
+          </a:prstGeom>
+          <a:solidFill>
+            <a:schemeClr val="bg1"/>
+          </a:solidFill>
+          <a:ln>
+            <a:solidFill>
+              <a:schemeClr val="bg1"/>
+            </a:solidFill>
+          </a:ln>
+        </p:spPr>
+        <p:style>
+          <a:lnRef idx="2">
+            <a:schemeClr val="accent1">
+              <a:shade val="15000"/>
+            </a:schemeClr>
+          </a:lnRef>
+          <a:fillRef idx="1">
+            <a:schemeClr val="accent1"/>
+          </a:fillRef>
+          <a:effectRef idx="0">
+            <a:schemeClr val="accent1"/>
+          </a:effectRef>
+          <a:fontRef idx="minor">
+            <a:schemeClr val="lt1"/>
+          </a:fontRef>
+        </p:style>
+        <p:txBody>
+          <a:bodyPr rtlCol="0" anchor="ctr"/>
+          <a:lstStyle/>
+          <a:p>
+            <a:pPr algn="ctr"/>
+            <a:endParaRPr lang="en-US"/>
+          </a:p>
+        </p:txBody>
+      </p:sp>
+      <p:sp>
+        <p:nvSpPr>
+          <p:cNvPr id="10" name="Rectangle 9">
+            <a:extLst>
+              <a:ext uri="{FF2B5EF4-FFF2-40B4-BE49-F238E27FC236}">
+                <a16:creationId xmlns:a16="http://schemas.microsoft.com/office/drawing/2014/main" id="{0ED414CF-9953-87F7-D517-CB965D9E50C9}"/>
+              </a:ext>
+            </a:extLst>
+          </p:cNvPr>
+          <p:cNvSpPr/>
+          <p:nvPr/>
+        </p:nvSpPr>
+        <p:spPr>
+          <a:xfrm>
+            <a:off x="3241973" y="4403104"/>
+            <a:ext cx="692552" cy="555585"/>
+          </a:xfrm>
+          <a:prstGeom prst="rect">
+            <a:avLst/>
+          </a:prstGeom>
+          <a:solidFill>
+            <a:schemeClr val="bg1"/>
+          </a:solidFill>
+          <a:ln>
+            <a:solidFill>
+              <a:schemeClr val="bg1"/>
+            </a:solidFill>
+          </a:ln>
+        </p:spPr>
+        <p:style>
+          <a:lnRef idx="2">
+            <a:schemeClr val="accent1">
+              <a:shade val="15000"/>
+            </a:schemeClr>
+          </a:lnRef>
+          <a:fillRef idx="1">
+            <a:schemeClr val="accent1"/>
+          </a:fillRef>
+          <a:effectRef idx="0">
+            <a:schemeClr val="accent1"/>
+          </a:effectRef>
+          <a:fontRef idx="minor">
+            <a:schemeClr val="lt1"/>
+          </a:fontRef>
+        </p:style>
+        <p:txBody>
+          <a:bodyPr rtlCol="0" anchor="ctr"/>
+          <a:lstStyle/>
+          <a:p>
+            <a:pPr algn="ctr"/>
+            <a:endParaRPr lang="en-US"/>
+          </a:p>
+        </p:txBody>
+      </p:sp>
+      <p:sp>
+        <p:nvSpPr>
+          <p:cNvPr id="11" name="TextBox 10">
+            <a:extLst>
+              <a:ext uri="{FF2B5EF4-FFF2-40B4-BE49-F238E27FC236}">
+                <a16:creationId xmlns:a16="http://schemas.microsoft.com/office/drawing/2014/main" id="{C93F1659-BCD3-4B36-81E4-B62C15EA6D8E}"/>
+              </a:ext>
+            </a:extLst>
+          </p:cNvPr>
+          <p:cNvSpPr txBox="1"/>
+          <p:nvPr/>
+        </p:nvSpPr>
+        <p:spPr>
+          <a:xfrm>
+            <a:off x="4955026" y="4639423"/>
+            <a:ext cx="532435" cy="369332"/>
+          </a:xfrm>
+          <a:prstGeom prst="rect">
+            <a:avLst/>
+          </a:prstGeom>
+          <a:solidFill>
+            <a:schemeClr val="bg1"/>
+          </a:solidFill>
+          <a:ln>
+            <a:solidFill>
+              <a:schemeClr val="bg1"/>
+            </a:solidFill>
+          </a:ln>
+        </p:spPr>
+        <p:txBody>
+          <a:bodyPr wrap="square" rtlCol="0">
+            <a:spAutoFit/>
+          </a:bodyPr>
+          <a:lstStyle/>
+          <a:p>
+            <a:pPr algn="ctr"/>
+            <a:r>
+              <a:rPr lang="en-US" b="1" dirty="0">
+                <a:latin typeface="Arial" panose="020B0604020202020204" pitchFamily="34" charset="0"/>
+                <a:cs typeface="Arial" panose="020B0604020202020204" pitchFamily="34" charset="0"/>
+              </a:rPr>
+              <a:t>A</a:t>
+            </a:r>
+          </a:p>
+        </p:txBody>
+      </p:sp>
+      <p:sp>
+        <p:nvSpPr>
+          <p:cNvPr id="12" name="TextBox 11">
+            <a:extLst>
+              <a:ext uri="{FF2B5EF4-FFF2-40B4-BE49-F238E27FC236}">
+                <a16:creationId xmlns:a16="http://schemas.microsoft.com/office/drawing/2014/main" id="{CC75083F-AE7C-B681-2A28-76BF37E0B738}"/>
+              </a:ext>
+            </a:extLst>
+          </p:cNvPr>
+          <p:cNvSpPr txBox="1"/>
+          <p:nvPr/>
+        </p:nvSpPr>
+        <p:spPr>
+          <a:xfrm>
+            <a:off x="1379507" y="2081945"/>
+            <a:ext cx="532435" cy="369332"/>
+          </a:xfrm>
+          <a:prstGeom prst="rect">
+            <a:avLst/>
+          </a:prstGeom>
+          <a:solidFill>
+            <a:schemeClr val="bg1"/>
+          </a:solidFill>
+          <a:ln>
+            <a:solidFill>
+              <a:schemeClr val="bg1"/>
+            </a:solidFill>
+          </a:ln>
+        </p:spPr>
+        <p:txBody>
+          <a:bodyPr wrap="square" rtlCol="0">
+            <a:spAutoFit/>
+          </a:bodyPr>
+          <a:lstStyle/>
+          <a:p>
+            <a:pPr algn="ctr"/>
+            <a:r>
+              <a:rPr lang="en-US" b="1" dirty="0">
+                <a:latin typeface="Arial" panose="020B0604020202020204" pitchFamily="34" charset="0"/>
+                <a:cs typeface="Arial" panose="020B0604020202020204" pitchFamily="34" charset="0"/>
+              </a:rPr>
+              <a:t>B</a:t>
+            </a:r>
+          </a:p>
+        </p:txBody>
+      </p:sp>
     </p:spTree>
     <p:extLst>
       <p:ext uri="{BB962C8B-B14F-4D97-AF65-F5344CB8AC3E}">
-        <p14:creationId xmlns:p14="http://schemas.microsoft.com/office/powerpoint/2010/main" val="3752948903"/>
+        <p14:creationId xmlns:p14="http://schemas.microsoft.com/office/powerpoint/2010/main" val="3393385130"/>
       </p:ext>
     </p:extLst>
   </p:cSld>
@@ -6219,480 +7382,10 @@
           </a:prstGeom>
         </p:spPr>
       </p:pic>
-      <p:sp>
-        <p:nvSpPr>
-          <p:cNvPr id="2" name="Rectangle 1">
-            <a:extLst>
-              <a:ext uri="{FF2B5EF4-FFF2-40B4-BE49-F238E27FC236}">
-                <a16:creationId xmlns:a16="http://schemas.microsoft.com/office/drawing/2014/main" id="{3F45BD36-E559-2F51-83B4-9725C5FB03BF}"/>
-              </a:ext>
-            </a:extLst>
-          </p:cNvPr>
-          <p:cNvSpPr/>
-          <p:nvPr/>
-        </p:nvSpPr>
-        <p:spPr>
-          <a:xfrm>
-            <a:off x="6192455" y="162045"/>
-            <a:ext cx="532435" cy="555585"/>
-          </a:xfrm>
-          <a:prstGeom prst="rect">
-            <a:avLst/>
-          </a:prstGeom>
-          <a:solidFill>
-            <a:schemeClr val="bg1"/>
-          </a:solidFill>
-          <a:ln>
-            <a:solidFill>
-              <a:schemeClr val="bg1"/>
-            </a:solidFill>
-          </a:ln>
-        </p:spPr>
-        <p:style>
-          <a:lnRef idx="2">
-            <a:schemeClr val="accent1">
-              <a:shade val="15000"/>
-            </a:schemeClr>
-          </a:lnRef>
-          <a:fillRef idx="1">
-            <a:schemeClr val="accent1"/>
-          </a:fillRef>
-          <a:effectRef idx="0">
-            <a:schemeClr val="accent1"/>
-          </a:effectRef>
-          <a:fontRef idx="minor">
-            <a:schemeClr val="lt1"/>
-          </a:fontRef>
-        </p:style>
-        <p:txBody>
-          <a:bodyPr rtlCol="0" anchor="ctr"/>
-          <a:lstStyle/>
-          <a:p>
-            <a:pPr algn="ctr"/>
-            <a:endParaRPr lang="en-US"/>
-          </a:p>
-        </p:txBody>
-      </p:sp>
-      <p:sp>
-        <p:nvSpPr>
-          <p:cNvPr id="4" name="TextBox 3">
-            <a:extLst>
-              <a:ext uri="{FF2B5EF4-FFF2-40B4-BE49-F238E27FC236}">
-                <a16:creationId xmlns:a16="http://schemas.microsoft.com/office/drawing/2014/main" id="{2B8493D8-2802-6384-512E-E340D4EC3423}"/>
-              </a:ext>
-            </a:extLst>
-          </p:cNvPr>
-          <p:cNvSpPr txBox="1"/>
-          <p:nvPr/>
-        </p:nvSpPr>
-        <p:spPr>
-          <a:xfrm>
-            <a:off x="1274277" y="4488953"/>
-            <a:ext cx="532435" cy="369332"/>
-          </a:xfrm>
-          <a:prstGeom prst="rect">
-            <a:avLst/>
-          </a:prstGeom>
-          <a:solidFill>
-            <a:schemeClr val="bg1"/>
-          </a:solidFill>
-          <a:ln>
-            <a:solidFill>
-              <a:schemeClr val="bg1"/>
-            </a:solidFill>
-          </a:ln>
-        </p:spPr>
-        <p:txBody>
-          <a:bodyPr wrap="square" rtlCol="0">
-            <a:spAutoFit/>
-          </a:bodyPr>
-          <a:lstStyle/>
-          <a:p>
-            <a:pPr algn="ctr"/>
-            <a:r>
-              <a:rPr lang="en-US" b="1" dirty="0">
-                <a:latin typeface="Arial" panose="020B0604020202020204" pitchFamily="34" charset="0"/>
-                <a:cs typeface="Arial" panose="020B0604020202020204" pitchFamily="34" charset="0"/>
-              </a:rPr>
-              <a:t>A</a:t>
-            </a:r>
-          </a:p>
-        </p:txBody>
-      </p:sp>
-      <p:sp>
-        <p:nvSpPr>
-          <p:cNvPr id="5" name="TextBox 4">
-            <a:extLst>
-              <a:ext uri="{FF2B5EF4-FFF2-40B4-BE49-F238E27FC236}">
-                <a16:creationId xmlns:a16="http://schemas.microsoft.com/office/drawing/2014/main" id="{B5975DA1-C6CA-8A3E-2949-2FFD54FDBE99}"/>
-              </a:ext>
-            </a:extLst>
-          </p:cNvPr>
-          <p:cNvSpPr txBox="1"/>
-          <p:nvPr/>
-        </p:nvSpPr>
-        <p:spPr>
-          <a:xfrm>
-            <a:off x="3000834" y="1886578"/>
-            <a:ext cx="532435" cy="369332"/>
-          </a:xfrm>
-          <a:prstGeom prst="rect">
-            <a:avLst/>
-          </a:prstGeom>
-          <a:solidFill>
-            <a:schemeClr val="bg1"/>
-          </a:solidFill>
-          <a:ln>
-            <a:solidFill>
-              <a:schemeClr val="bg1"/>
-            </a:solidFill>
-          </a:ln>
-        </p:spPr>
-        <p:txBody>
-          <a:bodyPr wrap="square" rtlCol="0">
-            <a:spAutoFit/>
-          </a:bodyPr>
-          <a:lstStyle/>
-          <a:p>
-            <a:pPr algn="ctr"/>
-            <a:r>
-              <a:rPr lang="en-US" b="1" dirty="0">
-                <a:latin typeface="Arial" panose="020B0604020202020204" pitchFamily="34" charset="0"/>
-                <a:cs typeface="Arial" panose="020B0604020202020204" pitchFamily="34" charset="0"/>
-              </a:rPr>
-              <a:t>B</a:t>
-            </a:r>
-          </a:p>
-        </p:txBody>
-      </p:sp>
-      <p:sp>
-        <p:nvSpPr>
-          <p:cNvPr id="6" name="Rectangle 5">
-            <a:extLst>
-              <a:ext uri="{FF2B5EF4-FFF2-40B4-BE49-F238E27FC236}">
-                <a16:creationId xmlns:a16="http://schemas.microsoft.com/office/drawing/2014/main" id="{A604EC5D-F408-37E5-BA21-553AA0211CB7}"/>
-              </a:ext>
-            </a:extLst>
-          </p:cNvPr>
-          <p:cNvSpPr/>
-          <p:nvPr/>
-        </p:nvSpPr>
-        <p:spPr>
-          <a:xfrm>
-            <a:off x="1448861" y="2244335"/>
-            <a:ext cx="692552" cy="555585"/>
-          </a:xfrm>
-          <a:prstGeom prst="rect">
-            <a:avLst/>
-          </a:prstGeom>
-          <a:solidFill>
-            <a:schemeClr val="bg1"/>
-          </a:solidFill>
-          <a:ln>
-            <a:solidFill>
-              <a:schemeClr val="bg1"/>
-            </a:solidFill>
-          </a:ln>
-        </p:spPr>
-        <p:style>
-          <a:lnRef idx="2">
-            <a:schemeClr val="accent1">
-              <a:shade val="15000"/>
-            </a:schemeClr>
-          </a:lnRef>
-          <a:fillRef idx="1">
-            <a:schemeClr val="accent1"/>
-          </a:fillRef>
-          <a:effectRef idx="0">
-            <a:schemeClr val="accent1"/>
-          </a:effectRef>
-          <a:fontRef idx="minor">
-            <a:schemeClr val="lt1"/>
-          </a:fontRef>
-        </p:style>
-        <p:txBody>
-          <a:bodyPr rtlCol="0" anchor="ctr"/>
-          <a:lstStyle/>
-          <a:p>
-            <a:pPr algn="ctr"/>
-            <a:endParaRPr lang="en-US"/>
-          </a:p>
-        </p:txBody>
-      </p:sp>
-      <p:sp>
-        <p:nvSpPr>
-          <p:cNvPr id="7" name="Rectangle 6">
-            <a:extLst>
-              <a:ext uri="{FF2B5EF4-FFF2-40B4-BE49-F238E27FC236}">
-                <a16:creationId xmlns:a16="http://schemas.microsoft.com/office/drawing/2014/main" id="{2720A0F4-0F2F-C21B-96AF-AD561482516E}"/>
-              </a:ext>
-            </a:extLst>
-          </p:cNvPr>
-          <p:cNvSpPr/>
-          <p:nvPr/>
-        </p:nvSpPr>
-        <p:spPr>
-          <a:xfrm>
-            <a:off x="2308282" y="3142475"/>
-            <a:ext cx="692552" cy="555585"/>
-          </a:xfrm>
-          <a:prstGeom prst="rect">
-            <a:avLst/>
-          </a:prstGeom>
-          <a:solidFill>
-            <a:schemeClr val="bg1"/>
-          </a:solidFill>
-          <a:ln>
-            <a:solidFill>
-              <a:schemeClr val="bg1"/>
-            </a:solidFill>
-          </a:ln>
-        </p:spPr>
-        <p:style>
-          <a:lnRef idx="2">
-            <a:schemeClr val="accent1">
-              <a:shade val="15000"/>
-            </a:schemeClr>
-          </a:lnRef>
-          <a:fillRef idx="1">
-            <a:schemeClr val="accent1"/>
-          </a:fillRef>
-          <a:effectRef idx="0">
-            <a:schemeClr val="accent1"/>
-          </a:effectRef>
-          <a:fontRef idx="minor">
-            <a:schemeClr val="lt1"/>
-          </a:fontRef>
-        </p:style>
-        <p:txBody>
-          <a:bodyPr rtlCol="0" anchor="ctr"/>
-          <a:lstStyle/>
-          <a:p>
-            <a:pPr algn="ctr"/>
-            <a:endParaRPr lang="en-US"/>
-          </a:p>
-        </p:txBody>
-      </p:sp>
-      <p:sp>
-        <p:nvSpPr>
-          <p:cNvPr id="8" name="Rectangle 7">
-            <a:extLst>
-              <a:ext uri="{FF2B5EF4-FFF2-40B4-BE49-F238E27FC236}">
-                <a16:creationId xmlns:a16="http://schemas.microsoft.com/office/drawing/2014/main" id="{FDCAA549-2B1C-FC24-0BEB-B1F5B324EFCF}"/>
-              </a:ext>
-            </a:extLst>
-          </p:cNvPr>
-          <p:cNvSpPr/>
-          <p:nvPr/>
-        </p:nvSpPr>
-        <p:spPr>
-          <a:xfrm>
-            <a:off x="4840627" y="1920148"/>
-            <a:ext cx="692552" cy="555585"/>
-          </a:xfrm>
-          <a:prstGeom prst="rect">
-            <a:avLst/>
-          </a:prstGeom>
-          <a:solidFill>
-            <a:schemeClr val="bg1"/>
-          </a:solidFill>
-          <a:ln>
-            <a:solidFill>
-              <a:schemeClr val="bg1"/>
-            </a:solidFill>
-          </a:ln>
-        </p:spPr>
-        <p:style>
-          <a:lnRef idx="2">
-            <a:schemeClr val="accent1">
-              <a:shade val="15000"/>
-            </a:schemeClr>
-          </a:lnRef>
-          <a:fillRef idx="1">
-            <a:schemeClr val="accent1"/>
-          </a:fillRef>
-          <a:effectRef idx="0">
-            <a:schemeClr val="accent1"/>
-          </a:effectRef>
-          <a:fontRef idx="minor">
-            <a:schemeClr val="lt1"/>
-          </a:fontRef>
-        </p:style>
-        <p:txBody>
-          <a:bodyPr rtlCol="0" anchor="ctr"/>
-          <a:lstStyle/>
-          <a:p>
-            <a:pPr algn="ctr"/>
-            <a:endParaRPr lang="en-US"/>
-          </a:p>
-        </p:txBody>
-      </p:sp>
-      <p:sp>
-        <p:nvSpPr>
-          <p:cNvPr id="9" name="Rectangle 8">
-            <a:extLst>
-              <a:ext uri="{FF2B5EF4-FFF2-40B4-BE49-F238E27FC236}">
-                <a16:creationId xmlns:a16="http://schemas.microsoft.com/office/drawing/2014/main" id="{9635E304-31F8-6151-6A59-8AB5B1AFC6A7}"/>
-              </a:ext>
-            </a:extLst>
-          </p:cNvPr>
-          <p:cNvSpPr/>
-          <p:nvPr/>
-        </p:nvSpPr>
-        <p:spPr>
-          <a:xfrm>
-            <a:off x="3625867" y="3142475"/>
-            <a:ext cx="692552" cy="555585"/>
-          </a:xfrm>
-          <a:prstGeom prst="rect">
-            <a:avLst/>
-          </a:prstGeom>
-          <a:solidFill>
-            <a:schemeClr val="bg1"/>
-          </a:solidFill>
-          <a:ln>
-            <a:solidFill>
-              <a:schemeClr val="bg1"/>
-            </a:solidFill>
-          </a:ln>
-        </p:spPr>
-        <p:style>
-          <a:lnRef idx="2">
-            <a:schemeClr val="accent1">
-              <a:shade val="15000"/>
-            </a:schemeClr>
-          </a:lnRef>
-          <a:fillRef idx="1">
-            <a:schemeClr val="accent1"/>
-          </a:fillRef>
-          <a:effectRef idx="0">
-            <a:schemeClr val="accent1"/>
-          </a:effectRef>
-          <a:fontRef idx="minor">
-            <a:schemeClr val="lt1"/>
-          </a:fontRef>
-        </p:style>
-        <p:txBody>
-          <a:bodyPr rtlCol="0" anchor="ctr"/>
-          <a:lstStyle/>
-          <a:p>
-            <a:pPr algn="ctr"/>
-            <a:endParaRPr lang="en-US"/>
-          </a:p>
-        </p:txBody>
-      </p:sp>
-      <p:sp>
-        <p:nvSpPr>
-          <p:cNvPr id="10" name="Rectangle 9">
-            <a:extLst>
-              <a:ext uri="{FF2B5EF4-FFF2-40B4-BE49-F238E27FC236}">
-                <a16:creationId xmlns:a16="http://schemas.microsoft.com/office/drawing/2014/main" id="{C89C0843-5347-EBFD-D8E9-B282E8E31904}"/>
-              </a:ext>
-            </a:extLst>
-          </p:cNvPr>
-          <p:cNvSpPr/>
-          <p:nvPr/>
-        </p:nvSpPr>
-        <p:spPr>
-          <a:xfrm>
-            <a:off x="2920775" y="4465803"/>
-            <a:ext cx="692552" cy="555585"/>
-          </a:xfrm>
-          <a:prstGeom prst="rect">
-            <a:avLst/>
-          </a:prstGeom>
-          <a:solidFill>
-            <a:schemeClr val="bg1"/>
-          </a:solidFill>
-          <a:ln>
-            <a:solidFill>
-              <a:schemeClr val="bg1"/>
-            </a:solidFill>
-          </a:ln>
-        </p:spPr>
-        <p:style>
-          <a:lnRef idx="2">
-            <a:schemeClr val="accent1">
-              <a:shade val="15000"/>
-            </a:schemeClr>
-          </a:lnRef>
-          <a:fillRef idx="1">
-            <a:schemeClr val="accent1"/>
-          </a:fillRef>
-          <a:effectRef idx="0">
-            <a:schemeClr val="accent1"/>
-          </a:effectRef>
-          <a:fontRef idx="minor">
-            <a:schemeClr val="lt1"/>
-          </a:fontRef>
-        </p:style>
-        <p:txBody>
-          <a:bodyPr rtlCol="0" anchor="ctr"/>
-          <a:lstStyle/>
-          <a:p>
-            <a:pPr algn="ctr"/>
-            <a:endParaRPr lang="en-US"/>
-          </a:p>
-        </p:txBody>
-      </p:sp>
-      <p:sp>
-        <p:nvSpPr>
-          <p:cNvPr id="11" name="Rectangle 10">
-            <a:extLst>
-              <a:ext uri="{FF2B5EF4-FFF2-40B4-BE49-F238E27FC236}">
-                <a16:creationId xmlns:a16="http://schemas.microsoft.com/office/drawing/2014/main" id="{260F1909-E3D6-39A8-D95F-4F96D08F1A7C}"/>
-              </a:ext>
-            </a:extLst>
-          </p:cNvPr>
-          <p:cNvSpPr/>
-          <p:nvPr/>
-        </p:nvSpPr>
-        <p:spPr>
-          <a:xfrm>
-            <a:off x="4688902" y="4465802"/>
-            <a:ext cx="692552" cy="555585"/>
-          </a:xfrm>
-          <a:prstGeom prst="rect">
-            <a:avLst/>
-          </a:prstGeom>
-          <a:solidFill>
-            <a:schemeClr val="bg1"/>
-          </a:solidFill>
-          <a:ln>
-            <a:solidFill>
-              <a:schemeClr val="bg1"/>
-            </a:solidFill>
-          </a:ln>
-        </p:spPr>
-        <p:style>
-          <a:lnRef idx="2">
-            <a:schemeClr val="accent1">
-              <a:shade val="15000"/>
-            </a:schemeClr>
-          </a:lnRef>
-          <a:fillRef idx="1">
-            <a:schemeClr val="accent1"/>
-          </a:fillRef>
-          <a:effectRef idx="0">
-            <a:schemeClr val="accent1"/>
-          </a:effectRef>
-          <a:fontRef idx="minor">
-            <a:schemeClr val="lt1"/>
-          </a:fontRef>
-        </p:style>
-        <p:txBody>
-          <a:bodyPr rtlCol="0" anchor="ctr"/>
-          <a:lstStyle/>
-          <a:p>
-            <a:pPr algn="ctr"/>
-            <a:endParaRPr lang="en-US"/>
-          </a:p>
-        </p:txBody>
-      </p:sp>
     </p:spTree>
     <p:extLst>
       <p:ext uri="{BB962C8B-B14F-4D97-AF65-F5344CB8AC3E}">
-        <p14:creationId xmlns:p14="http://schemas.microsoft.com/office/powerpoint/2010/main" val="3656750695"/>
+        <p14:creationId xmlns:p14="http://schemas.microsoft.com/office/powerpoint/2010/main" val="3752948903"/>
       </p:ext>
     </p:extLst>
   </p:cSld>
